--- a/Desenvolvimento dirigido a testes - TDD (Test-Driven.pptx
+++ b/Desenvolvimento dirigido a testes - TDD (Test-Driven.pptx
@@ -5,40 +5,41 @@
     <p:sldMasterId id="2147483671" r:id="rId1"/>
   </p:sldMasterIdLst>
   <p:notesMasterIdLst>
-    <p:notesMasterId r:id="rId33"/>
+    <p:notesMasterId r:id="rId34"/>
   </p:notesMasterIdLst>
   <p:sldIdLst>
     <p:sldId id="256" r:id="rId2"/>
-    <p:sldId id="267" r:id="rId3"/>
-    <p:sldId id="289" r:id="rId4"/>
-    <p:sldId id="269" r:id="rId5"/>
-    <p:sldId id="277" r:id="rId6"/>
-    <p:sldId id="270" r:id="rId7"/>
-    <p:sldId id="271" r:id="rId8"/>
-    <p:sldId id="272" r:id="rId9"/>
-    <p:sldId id="273" r:id="rId10"/>
-    <p:sldId id="274" r:id="rId11"/>
-    <p:sldId id="276" r:id="rId12"/>
-    <p:sldId id="275" r:id="rId13"/>
-    <p:sldId id="268" r:id="rId14"/>
-    <p:sldId id="278" r:id="rId15"/>
-    <p:sldId id="280" r:id="rId16"/>
-    <p:sldId id="279" r:id="rId17"/>
-    <p:sldId id="257" r:id="rId18"/>
-    <p:sldId id="258" r:id="rId19"/>
-    <p:sldId id="259" r:id="rId20"/>
-    <p:sldId id="262" r:id="rId21"/>
-    <p:sldId id="281" r:id="rId22"/>
-    <p:sldId id="282" r:id="rId23"/>
-    <p:sldId id="283" r:id="rId24"/>
-    <p:sldId id="284" r:id="rId25"/>
-    <p:sldId id="286" r:id="rId26"/>
-    <p:sldId id="287" r:id="rId27"/>
-    <p:sldId id="285" r:id="rId28"/>
-    <p:sldId id="288" r:id="rId29"/>
-    <p:sldId id="260" r:id="rId30"/>
-    <p:sldId id="261" r:id="rId31"/>
-    <p:sldId id="290" r:id="rId32"/>
+    <p:sldId id="289" r:id="rId3"/>
+    <p:sldId id="267" r:id="rId4"/>
+    <p:sldId id="291" r:id="rId5"/>
+    <p:sldId id="269" r:id="rId6"/>
+    <p:sldId id="277" r:id="rId7"/>
+    <p:sldId id="270" r:id="rId8"/>
+    <p:sldId id="271" r:id="rId9"/>
+    <p:sldId id="272" r:id="rId10"/>
+    <p:sldId id="273" r:id="rId11"/>
+    <p:sldId id="274" r:id="rId12"/>
+    <p:sldId id="276" r:id="rId13"/>
+    <p:sldId id="275" r:id="rId14"/>
+    <p:sldId id="268" r:id="rId15"/>
+    <p:sldId id="278" r:id="rId16"/>
+    <p:sldId id="280" r:id="rId17"/>
+    <p:sldId id="279" r:id="rId18"/>
+    <p:sldId id="257" r:id="rId19"/>
+    <p:sldId id="258" r:id="rId20"/>
+    <p:sldId id="259" r:id="rId21"/>
+    <p:sldId id="262" r:id="rId22"/>
+    <p:sldId id="281" r:id="rId23"/>
+    <p:sldId id="282" r:id="rId24"/>
+    <p:sldId id="283" r:id="rId25"/>
+    <p:sldId id="284" r:id="rId26"/>
+    <p:sldId id="286" r:id="rId27"/>
+    <p:sldId id="287" r:id="rId28"/>
+    <p:sldId id="285" r:id="rId29"/>
+    <p:sldId id="288" r:id="rId30"/>
+    <p:sldId id="260" r:id="rId31"/>
+    <p:sldId id="261" r:id="rId32"/>
+    <p:sldId id="290" r:id="rId33"/>
   </p:sldIdLst>
   <p:sldSz cx="12192000" cy="6858000"/>
   <p:notesSz cx="6858000" cy="9144000"/>
@@ -239,7 +240,7 @@
           <a:p>
             <a:fld id="{282E45B7-4611-4A29-A6EC-A77E5B62695F}" type="datetimeFigureOut">
               <a:rPr lang="pt-BR" smtClean="0"/>
-              <a:t>21/11/2018</a:t>
+              <a:t>22/11/2018</a:t>
             </a:fld>
             <a:endParaRPr lang="pt-BR"/>
           </a:p>
@@ -572,7 +573,7 @@
           <a:p>
             <a:fld id="{6DB8541E-0481-45E0-A128-7B780C86842C}" type="slidenum">
               <a:rPr lang="pt-BR" smtClean="0"/>
-              <a:t>19</a:t>
+              <a:t>20</a:t>
             </a:fld>
             <a:endParaRPr lang="pt-BR"/>
           </a:p>
@@ -697,7 +698,7 @@
           <a:p>
             <a:fld id="{6DB8541E-0481-45E0-A128-7B780C86842C}" type="slidenum">
               <a:rPr lang="pt-BR" smtClean="0"/>
-              <a:t>29</a:t>
+              <a:t>30</a:t>
             </a:fld>
             <a:endParaRPr lang="pt-BR"/>
           </a:p>
@@ -904,7 +905,7 @@
           <a:p>
             <a:fld id="{4AAD347D-5ACD-4C99-B74B-A9C85AD731AF}" type="datetimeFigureOut">
               <a:rPr lang="en-US" smtClean="0"/>
-              <a:t>11/21/2018</a:t>
+              <a:t>11/22/2018</a:t>
             </a:fld>
             <a:endParaRPr lang="en-US" dirty="0"/>
           </a:p>
@@ -1242,7 +1243,7 @@
           <a:p>
             <a:fld id="{4509A250-FF31-4206-8172-F9D3106AACB1}" type="datetimeFigureOut">
               <a:rPr lang="en-US" smtClean="0"/>
-              <a:t>11/21/2018</a:t>
+              <a:t>11/22/2018</a:t>
             </a:fld>
             <a:endParaRPr lang="en-US" dirty="0"/>
           </a:p>
@@ -1643,7 +1644,7 @@
           <a:p>
             <a:fld id="{4509A250-FF31-4206-8172-F9D3106AACB1}" type="datetimeFigureOut">
               <a:rPr lang="en-US" smtClean="0"/>
-              <a:t>11/21/2018</a:t>
+              <a:t>11/22/2018</a:t>
             </a:fld>
             <a:endParaRPr lang="en-US" dirty="0"/>
           </a:p>
@@ -1979,7 +1980,7 @@
           <a:p>
             <a:fld id="{4509A250-FF31-4206-8172-F9D3106AACB1}" type="datetimeFigureOut">
               <a:rPr lang="en-US" smtClean="0"/>
-              <a:t>11/21/2018</a:t>
+              <a:t>11/22/2018</a:t>
             </a:fld>
             <a:endParaRPr lang="en-US" dirty="0"/>
           </a:p>
@@ -2299,7 +2300,7 @@
           <a:p>
             <a:fld id="{4AAD347D-5ACD-4C99-B74B-A9C85AD731AF}" type="datetimeFigureOut">
               <a:rPr lang="en-US" smtClean="0"/>
-              <a:t>11/21/2018</a:t>
+              <a:t>11/22/2018</a:t>
             </a:fld>
             <a:endParaRPr lang="en-US" dirty="0"/>
           </a:p>
@@ -2696,7 +2697,7 @@
           <a:p>
             <a:fld id="{4AAD347D-5ACD-4C99-B74B-A9C85AD731AF}" type="datetimeFigureOut">
               <a:rPr lang="en-US" smtClean="0"/>
-              <a:t>11/21/2018</a:t>
+              <a:t>11/22/2018</a:t>
             </a:fld>
             <a:endParaRPr lang="en-US" dirty="0"/>
           </a:p>
@@ -2954,7 +2955,7 @@
           <a:p>
             <a:fld id="{4509A250-FF31-4206-8172-F9D3106AACB1}" type="datetimeFigureOut">
               <a:rPr lang="en-US" smtClean="0"/>
-              <a:t>11/21/2018</a:t>
+              <a:t>11/22/2018</a:t>
             </a:fld>
             <a:endParaRPr lang="en-US" dirty="0"/>
           </a:p>
@@ -3216,7 +3217,7 @@
           <a:p>
             <a:fld id="{4509A250-FF31-4206-8172-F9D3106AACB1}" type="datetimeFigureOut">
               <a:rPr lang="en-US" smtClean="0"/>
-              <a:t>11/21/2018</a:t>
+              <a:t>11/22/2018</a:t>
             </a:fld>
             <a:endParaRPr lang="en-US" dirty="0"/>
           </a:p>
@@ -3478,7 +3479,7 @@
           <a:p>
             <a:fld id="{4509A250-FF31-4206-8172-F9D3106AACB1}" type="datetimeFigureOut">
               <a:rPr lang="en-US" smtClean="0"/>
-              <a:t>11/21/2018</a:t>
+              <a:t>11/22/2018</a:t>
             </a:fld>
             <a:endParaRPr lang="en-US" dirty="0"/>
           </a:p>
@@ -3807,7 +3808,7 @@
           <a:p>
             <a:fld id="{9796027F-7875-4030-9381-8BD8C4F21935}" type="datetimeFigureOut">
               <a:rPr lang="en-US" smtClean="0"/>
-              <a:t>11/21/2018</a:t>
+              <a:t>11/22/2018</a:t>
             </a:fld>
             <a:endParaRPr lang="en-US" dirty="0"/>
           </a:p>
@@ -4130,7 +4131,7 @@
           <a:p>
             <a:fld id="{9796027F-7875-4030-9381-8BD8C4F21935}" type="datetimeFigureOut">
               <a:rPr lang="en-US" smtClean="0"/>
-              <a:t>11/21/2018</a:t>
+              <a:t>11/22/2018</a:t>
             </a:fld>
             <a:endParaRPr lang="en-US" dirty="0"/>
           </a:p>
@@ -4587,7 +4588,7 @@
           <a:p>
             <a:fld id="{9796027F-7875-4030-9381-8BD8C4F21935}" type="datetimeFigureOut">
               <a:rPr lang="en-US" smtClean="0"/>
-              <a:t>11/21/2018</a:t>
+              <a:t>11/22/2018</a:t>
             </a:fld>
             <a:endParaRPr lang="en-US" dirty="0"/>
           </a:p>
@@ -4792,7 +4793,7 @@
           <a:p>
             <a:fld id="{4509A250-FF31-4206-8172-F9D3106AACB1}" type="datetimeFigureOut">
               <a:rPr lang="en-US" smtClean="0"/>
-              <a:t>11/21/2018</a:t>
+              <a:t>11/22/2018</a:t>
             </a:fld>
             <a:endParaRPr lang="en-US" dirty="0"/>
           </a:p>
@@ -4969,7 +4970,7 @@
           <a:p>
             <a:fld id="{4509A250-FF31-4206-8172-F9D3106AACB1}" type="datetimeFigureOut">
               <a:rPr lang="en-US" smtClean="0"/>
-              <a:t>11/21/2018</a:t>
+              <a:t>11/22/2018</a:t>
             </a:fld>
             <a:endParaRPr lang="en-US" dirty="0"/>
           </a:p>
@@ -5302,7 +5303,7 @@
           <a:p>
             <a:fld id="{4509A250-FF31-4206-8172-F9D3106AACB1}" type="datetimeFigureOut">
               <a:rPr lang="en-US" smtClean="0"/>
-              <a:t>11/21/2018</a:t>
+              <a:t>11/22/2018</a:t>
             </a:fld>
             <a:endParaRPr lang="en-US" dirty="0"/>
           </a:p>
@@ -5647,7 +5648,7 @@
           <a:p>
             <a:fld id="{4509A250-FF31-4206-8172-F9D3106AACB1}" type="datetimeFigureOut">
               <a:rPr lang="en-US" smtClean="0"/>
-              <a:t>11/21/2018</a:t>
+              <a:t>11/22/2018</a:t>
             </a:fld>
             <a:endParaRPr lang="en-US" dirty="0"/>
           </a:p>
@@ -7764,7 +7765,7 @@
           <a:p>
             <a:fld id="{4AAD347D-5ACD-4C99-B74B-A9C85AD731AF}" type="datetimeFigureOut">
               <a:rPr lang="en-US" smtClean="0"/>
-              <a:t>11/21/2018</a:t>
+              <a:t>11/22/2018</a:t>
             </a:fld>
             <a:endParaRPr lang="en-US" dirty="0"/>
           </a:p>
@@ -8361,7 +8362,6 @@
               <a:rPr lang="pt-BR" b="1" dirty="0" smtClean="0"/>
               <a:t> Márcio Albuquerque Almeida</a:t>
             </a:r>
-            <a:endParaRPr lang="pt-BR" b="1" dirty="0" smtClean="0"/>
           </a:p>
           <a:p>
             <a:endParaRPr lang="pt-BR" b="1" dirty="0"/>
@@ -8445,107 +8445,100 @@
           <a:p>
             <a:r>
               <a:rPr lang="pt-BR" sz="2000" b="1" dirty="0" smtClean="0"/>
-              <a:t>A </a:t>
-            </a:r>
-            <a:r>
-              <a:rPr lang="pt-BR" sz="2000" b="1" dirty="0" smtClean="0"/>
-              <a:t>verificação da saída ainda é manual</a:t>
-            </a:r>
+              <a:t>No </a:t>
+            </a:r>
+            <a:r>
+              <a:rPr lang="pt-BR" sz="2000" b="1" dirty="0"/>
+              <a:t>mundo real, será que teríamos descoberto esse bug </a:t>
+            </a:r>
+            <a:r>
+              <a:rPr lang="pt-BR" sz="2000" b="1" dirty="0" smtClean="0"/>
+              <a:t>facilmente?</a:t>
+            </a:r>
+          </a:p>
+          <a:p>
+            <a:r>
+              <a:rPr lang="pt-BR" sz="2000" b="1" dirty="0" smtClean="0"/>
+              <a:t>Para evitar casos assim devemos investir em testes automatizados.</a:t>
+            </a:r>
+          </a:p>
+          <a:p>
+            <a:r>
+              <a:rPr lang="pt-BR" sz="2000" b="1" dirty="0"/>
+              <a:t>Um teste </a:t>
+            </a:r>
+            <a:r>
+              <a:rPr lang="pt-BR" sz="2000" b="1" dirty="0" smtClean="0"/>
+              <a:t>automatizado </a:t>
+            </a:r>
+            <a:r>
+              <a:rPr lang="pt-BR" sz="2000" b="1" dirty="0"/>
+              <a:t>sempre </a:t>
+            </a:r>
+            <a:r>
+              <a:rPr lang="pt-BR" sz="2000" b="1" dirty="0" smtClean="0"/>
+              <a:t>executamos </a:t>
+            </a:r>
+            <a:r>
+              <a:rPr lang="pt-BR" sz="2000" b="1" dirty="0"/>
+              <a:t>estes três passos: </a:t>
+            </a:r>
+            <a:endParaRPr lang="pt-BR" sz="2000" b="1" dirty="0" smtClean="0"/>
           </a:p>
           <a:p>
             <a:pPr lvl="1"/>
             <a:r>
               <a:rPr lang="pt-BR" sz="2000" b="1" dirty="0" smtClean="0"/>
-              <a:t>400 e 250 deveria ser as saídas esperadas</a:t>
-            </a:r>
-          </a:p>
-          <a:p>
-            <a:r>
-              <a:rPr lang="pt-BR" sz="2000" b="1" dirty="0" smtClean="0"/>
-              <a:t>Copiar código para </a:t>
-            </a:r>
-            <a:r>
-              <a:rPr lang="pt-BR" sz="2000" b="1" dirty="0" err="1" smtClean="0"/>
-              <a:t>TesteDoAvaliador</a:t>
-            </a:r>
-            <a:endParaRPr lang="pt-BR" sz="2000" b="1" dirty="0" smtClean="0"/>
-          </a:p>
-          <a:p>
-            <a:r>
-              <a:rPr lang="pt-BR" sz="2000" b="1" dirty="0" smtClean="0"/>
-              <a:t>Melhoramos o código, mas a verificação continua sendo manual.</a:t>
-            </a:r>
-          </a:p>
-          <a:p>
-            <a:r>
-              <a:rPr lang="pt-BR" sz="2000" b="1" dirty="0" smtClean="0"/>
-              <a:t>Usaremos </a:t>
-            </a:r>
-            <a:r>
-              <a:rPr lang="pt-BR" sz="2000" b="1" dirty="0" err="1" smtClean="0"/>
-              <a:t>Junit</a:t>
-            </a:r>
-            <a:r>
-              <a:rPr lang="pt-BR" sz="2000" b="1" dirty="0" smtClean="0"/>
-              <a:t> a partir de agora</a:t>
-            </a:r>
-          </a:p>
-          <a:p>
-            <a:r>
-              <a:rPr lang="pt-BR" sz="2000" b="1" dirty="0" smtClean="0"/>
-              <a:t>Precisamos adicionar a biblioteca</a:t>
-            </a:r>
-          </a:p>
-          <a:p>
-            <a:r>
-              <a:rPr lang="en-US" sz="2000" b="1" dirty="0" smtClean="0"/>
-              <a:t>B</a:t>
-            </a:r>
-            <a:r>
-              <a:rPr lang="pt-BR" sz="2000" b="1" dirty="0" err="1" smtClean="0"/>
-              <a:t>ibliotecas</a:t>
-            </a:r>
-            <a:r>
-              <a:rPr lang="pt-BR" sz="2000" b="1" dirty="0" smtClean="0"/>
-              <a:t> -&gt; botão direito -&gt; Adicionar biblioteca-&gt; </a:t>
-            </a:r>
-            <a:r>
-              <a:rPr lang="pt-BR" sz="2000" b="1" dirty="0" err="1" smtClean="0"/>
-              <a:t>Junit</a:t>
-            </a:r>
-            <a:r>
-              <a:rPr lang="pt-BR" sz="2000" b="1" dirty="0" smtClean="0"/>
-              <a:t> 4.12</a:t>
-            </a:r>
-          </a:p>
-          <a:p>
-            <a:r>
-              <a:rPr lang="pt-BR" sz="2000" b="1" dirty="0" smtClean="0"/>
-              <a:t>Adicionar </a:t>
-            </a:r>
-            <a:r>
-              <a:rPr lang="pt-BR" sz="2000" b="1" dirty="0" err="1" smtClean="0"/>
-              <a:t>Jar</a:t>
-            </a:r>
-            <a:r>
-              <a:rPr lang="pt-BR" sz="2000" b="1" dirty="0" smtClean="0"/>
-              <a:t> </a:t>
-            </a:r>
-            <a:r>
-              <a:rPr lang="pt-BR" sz="2000" b="1" dirty="0" err="1" smtClean="0"/>
-              <a:t>Hamcrest</a:t>
-            </a:r>
-            <a:endParaRPr lang="pt-BR" sz="2000" b="1" dirty="0" smtClean="0"/>
-          </a:p>
-          <a:p>
-            <a:endParaRPr lang="pt-BR" sz="2000" b="1" dirty="0"/>
+              <a:t>montar </a:t>
+            </a:r>
+            <a:r>
+              <a:rPr lang="pt-BR" sz="2000" b="1" dirty="0"/>
+              <a:t>o </a:t>
+            </a:r>
+            <a:r>
+              <a:rPr lang="pt-BR" sz="2000" b="1" dirty="0" smtClean="0"/>
+              <a:t>cenário</a:t>
+            </a:r>
+          </a:p>
+          <a:p>
+            <a:pPr lvl="1"/>
+            <a:r>
+              <a:rPr lang="pt-BR" sz="2000" b="1" dirty="0" smtClean="0"/>
+              <a:t>executar </a:t>
+            </a:r>
+            <a:r>
+              <a:rPr lang="pt-BR" sz="2000" b="1" dirty="0"/>
+              <a:t>a </a:t>
+            </a:r>
+            <a:r>
+              <a:rPr lang="pt-BR" sz="2000" b="1" dirty="0" smtClean="0"/>
+              <a:t>ação</a:t>
+            </a:r>
+          </a:p>
+          <a:p>
+            <a:pPr lvl="1"/>
+            <a:r>
+              <a:rPr lang="pt-BR" sz="2000" b="1" dirty="0" smtClean="0"/>
+              <a:t>validar </a:t>
+            </a:r>
+            <a:r>
+              <a:rPr lang="pt-BR" sz="2000" b="1" dirty="0"/>
+              <a:t>a </a:t>
+            </a:r>
+            <a:r>
+              <a:rPr lang="pt-BR" sz="2000" b="1" dirty="0" smtClean="0"/>
+              <a:t>saída</a:t>
+            </a:r>
+          </a:p>
+          <a:p>
+            <a:endParaRPr lang="pt-BR" sz="2000" b="1" u="sng" dirty="0"/>
           </a:p>
         </p:txBody>
       </p:sp>
     </p:spTree>
     <p:extLst>
       <p:ext uri="{BB962C8B-B14F-4D97-AF65-F5344CB8AC3E}">
-        <p14:creationId xmlns:p14="http://schemas.microsoft.com/office/powerpoint/2010/main" val="3348331050"/>
+        <p14:creationId xmlns:p14="http://schemas.microsoft.com/office/powerpoint/2010/main" val="458618330"/>
       </p:ext>
     </p:extLst>
   </p:cSld>
@@ -8613,6 +8606,176 @@
         </p:spPr>
         <p:txBody>
           <a:bodyPr>
+            <a:normAutofit/>
+          </a:bodyPr>
+          <a:lstStyle/>
+          <a:p>
+            <a:r>
+              <a:rPr lang="pt-BR" sz="2000" b="1" dirty="0" smtClean="0"/>
+              <a:t>A verificação da saída ainda é manual</a:t>
+            </a:r>
+          </a:p>
+          <a:p>
+            <a:pPr lvl="1"/>
+            <a:r>
+              <a:rPr lang="pt-BR" sz="2000" b="1" dirty="0" smtClean="0"/>
+              <a:t>400 e 250 deveria ser as saídas esperadas</a:t>
+            </a:r>
+          </a:p>
+          <a:p>
+            <a:r>
+              <a:rPr lang="pt-BR" sz="2000" b="1" dirty="0" smtClean="0"/>
+              <a:t>Copiar código para </a:t>
+            </a:r>
+            <a:r>
+              <a:rPr lang="pt-BR" sz="2000" b="1" dirty="0" err="1" smtClean="0"/>
+              <a:t>TesteDoAvaliador</a:t>
+            </a:r>
+            <a:endParaRPr lang="pt-BR" sz="2000" b="1" dirty="0" smtClean="0"/>
+          </a:p>
+          <a:p>
+            <a:r>
+              <a:rPr lang="pt-BR" sz="2000" b="1" dirty="0" smtClean="0"/>
+              <a:t>Melhoramos o código, mas a verificação continua sendo manual.</a:t>
+            </a:r>
+          </a:p>
+          <a:p>
+            <a:r>
+              <a:rPr lang="pt-BR" sz="2000" b="1" dirty="0" smtClean="0"/>
+              <a:t>Usaremos </a:t>
+            </a:r>
+            <a:r>
+              <a:rPr lang="pt-BR" sz="2000" b="1" dirty="0" err="1" smtClean="0"/>
+              <a:t>Junit</a:t>
+            </a:r>
+            <a:r>
+              <a:rPr lang="pt-BR" sz="2000" b="1" dirty="0" smtClean="0"/>
+              <a:t> a partir de agora</a:t>
+            </a:r>
+          </a:p>
+          <a:p>
+            <a:r>
+              <a:rPr lang="pt-BR" sz="2000" b="1" dirty="0" smtClean="0"/>
+              <a:t>Precisamos adicionar a biblioteca</a:t>
+            </a:r>
+          </a:p>
+          <a:p>
+            <a:r>
+              <a:rPr lang="en-US" sz="2000" b="1" dirty="0" smtClean="0"/>
+              <a:t>B</a:t>
+            </a:r>
+            <a:r>
+              <a:rPr lang="pt-BR" sz="2000" b="1" dirty="0" err="1" smtClean="0"/>
+              <a:t>ibliotecas</a:t>
+            </a:r>
+            <a:r>
+              <a:rPr lang="pt-BR" sz="2000" b="1" dirty="0" smtClean="0"/>
+              <a:t> -&gt; botão direito -&gt; Adicionar biblioteca-&gt; </a:t>
+            </a:r>
+            <a:r>
+              <a:rPr lang="pt-BR" sz="2000" b="1" dirty="0" err="1" smtClean="0"/>
+              <a:t>Junit</a:t>
+            </a:r>
+            <a:r>
+              <a:rPr lang="pt-BR" sz="2000" b="1" dirty="0" smtClean="0"/>
+              <a:t> 4.12</a:t>
+            </a:r>
+          </a:p>
+          <a:p>
+            <a:r>
+              <a:rPr lang="pt-BR" sz="2000" b="1" dirty="0" smtClean="0"/>
+              <a:t>Adicionar </a:t>
+            </a:r>
+            <a:r>
+              <a:rPr lang="pt-BR" sz="2000" b="1" dirty="0" err="1" smtClean="0"/>
+              <a:t>Jar</a:t>
+            </a:r>
+            <a:r>
+              <a:rPr lang="pt-BR" sz="2000" b="1" dirty="0" smtClean="0"/>
+              <a:t> </a:t>
+            </a:r>
+            <a:r>
+              <a:rPr lang="pt-BR" sz="2000" b="1" dirty="0" err="1" smtClean="0"/>
+              <a:t>Hamcrest</a:t>
+            </a:r>
+            <a:endParaRPr lang="pt-BR" sz="2000" b="1" dirty="0" smtClean="0"/>
+          </a:p>
+          <a:p>
+            <a:endParaRPr lang="pt-BR" sz="2000" b="1" dirty="0"/>
+          </a:p>
+        </p:txBody>
+      </p:sp>
+    </p:spTree>
+    <p:extLst>
+      <p:ext uri="{BB962C8B-B14F-4D97-AF65-F5344CB8AC3E}">
+        <p14:creationId xmlns:p14="http://schemas.microsoft.com/office/powerpoint/2010/main" val="3348331050"/>
+      </p:ext>
+    </p:extLst>
+  </p:cSld>
+  <p:clrMapOvr>
+    <a:masterClrMapping/>
+  </p:clrMapOvr>
+</p:sld>
+</file>
+
+<file path=ppt/slides/slide12.xml><?xml version="1.0" encoding="utf-8"?>
+<p:sld xmlns:a="http://schemas.openxmlformats.org/drawingml/2006/main" xmlns:r="http://schemas.openxmlformats.org/officeDocument/2006/relationships" xmlns:p="http://schemas.openxmlformats.org/presentationml/2006/main">
+  <p:cSld>
+    <p:spTree>
+      <p:nvGrpSpPr>
+        <p:cNvPr id="1" name=""/>
+        <p:cNvGrpSpPr/>
+        <p:nvPr/>
+      </p:nvGrpSpPr>
+      <p:grpSpPr>
+        <a:xfrm>
+          <a:off x="0" y="0"/>
+          <a:ext cx="0" cy="0"/>
+          <a:chOff x="0" y="0"/>
+          <a:chExt cx="0" cy="0"/>
+        </a:xfrm>
+      </p:grpSpPr>
+      <p:sp>
+        <p:nvSpPr>
+          <p:cNvPr id="2" name="Título 1"/>
+          <p:cNvSpPr>
+            <a:spLocks noGrp="1"/>
+          </p:cNvSpPr>
+          <p:nvPr>
+            <p:ph type="title"/>
+          </p:nvPr>
+        </p:nvSpPr>
+        <p:spPr/>
+        <p:txBody>
+          <a:bodyPr/>
+          <a:lstStyle/>
+          <a:p>
+            <a:r>
+              <a:rPr lang="pt-BR" b="1" dirty="0" smtClean="0"/>
+              <a:t>PRÁTICA</a:t>
+            </a:r>
+            <a:endParaRPr lang="pt-BR" b="1" dirty="0"/>
+          </a:p>
+        </p:txBody>
+      </p:sp>
+      <p:sp>
+        <p:nvSpPr>
+          <p:cNvPr id="3" name="Espaço Reservado para Conteúdo 2"/>
+          <p:cNvSpPr>
+            <a:spLocks noGrp="1"/>
+          </p:cNvSpPr>
+          <p:nvPr>
+            <p:ph idx="1"/>
+          </p:nvPr>
+        </p:nvSpPr>
+        <p:spPr>
+          <a:xfrm>
+            <a:off x="2589212" y="2133600"/>
+            <a:ext cx="8915400" cy="4724400"/>
+          </a:xfrm>
+        </p:spPr>
+        <p:txBody>
+          <a:bodyPr>
             <a:normAutofit lnSpcReduction="10000"/>
           </a:bodyPr>
           <a:lstStyle/>
@@ -8767,7 +8930,7 @@
 </p:sld>
 </file>
 
-<file path=ppt/slides/slide12.xml><?xml version="1.0" encoding="utf-8"?>
+<file path=ppt/slides/slide13.xml><?xml version="1.0" encoding="utf-8"?>
 <p:sld xmlns:a="http://schemas.openxmlformats.org/drawingml/2006/main" xmlns:r="http://schemas.openxmlformats.org/officeDocument/2006/relationships" xmlns:p="http://schemas.openxmlformats.org/presentationml/2006/main">
   <p:cSld>
     <p:spTree>
@@ -8849,137 +9012,6 @@
 </p:sld>
 </file>
 
-<file path=ppt/slides/slide13.xml><?xml version="1.0" encoding="utf-8"?>
-<p:sld xmlns:a="http://schemas.openxmlformats.org/drawingml/2006/main" xmlns:r="http://schemas.openxmlformats.org/officeDocument/2006/relationships" xmlns:p="http://schemas.openxmlformats.org/presentationml/2006/main">
-  <p:cSld>
-    <p:spTree>
-      <p:nvGrpSpPr>
-        <p:cNvPr id="1" name=""/>
-        <p:cNvGrpSpPr/>
-        <p:nvPr/>
-      </p:nvGrpSpPr>
-      <p:grpSpPr>
-        <a:xfrm>
-          <a:off x="0" y="0"/>
-          <a:ext cx="0" cy="0"/>
-          <a:chOff x="0" y="0"/>
-          <a:chExt cx="0" cy="0"/>
-        </a:xfrm>
-      </p:grpSpPr>
-      <p:sp>
-        <p:nvSpPr>
-          <p:cNvPr id="2" name="Título 1"/>
-          <p:cNvSpPr>
-            <a:spLocks noGrp="1"/>
-          </p:cNvSpPr>
-          <p:nvPr>
-            <p:ph type="title"/>
-          </p:nvPr>
-        </p:nvSpPr>
-        <p:spPr/>
-        <p:txBody>
-          <a:bodyPr/>
-          <a:lstStyle/>
-          <a:p>
-            <a:r>
-              <a:rPr lang="pt-BR" b="1" dirty="0" smtClean="0"/>
-              <a:t>Prática</a:t>
-            </a:r>
-            <a:endParaRPr lang="pt-BR" b="1" dirty="0"/>
-          </a:p>
-        </p:txBody>
-      </p:sp>
-      <p:sp>
-        <p:nvSpPr>
-          <p:cNvPr id="3" name="Espaço Reservado para Conteúdo 2"/>
-          <p:cNvSpPr>
-            <a:spLocks noGrp="1"/>
-          </p:cNvSpPr>
-          <p:nvPr>
-            <p:ph idx="1"/>
-          </p:nvPr>
-        </p:nvSpPr>
-        <p:spPr/>
-        <p:txBody>
-          <a:bodyPr>
-            <a:normAutofit/>
-          </a:bodyPr>
-          <a:lstStyle/>
-          <a:p>
-            <a:r>
-              <a:rPr lang="pt-BR" sz="2000" b="1" dirty="0" smtClean="0"/>
-              <a:t>Lances </a:t>
-            </a:r>
-            <a:r>
-              <a:rPr lang="pt-BR" sz="2000" b="1" dirty="0"/>
-              <a:t>em ordem </a:t>
-            </a:r>
-            <a:r>
-              <a:rPr lang="pt-BR" sz="2000" b="1" dirty="0" smtClean="0"/>
-              <a:t>crescente</a:t>
-            </a:r>
-            <a:endParaRPr lang="pt-BR" sz="2000" b="1" dirty="0"/>
-          </a:p>
-          <a:p>
-            <a:r>
-              <a:rPr lang="pt-BR" sz="2000" b="1" dirty="0" smtClean="0"/>
-              <a:t>Lances </a:t>
-            </a:r>
-            <a:r>
-              <a:rPr lang="pt-BR" sz="2000" b="1" dirty="0"/>
-              <a:t>em ordem </a:t>
-            </a:r>
-            <a:r>
-              <a:rPr lang="pt-BR" sz="2000" b="1" dirty="0" smtClean="0"/>
-              <a:t>decrescente</a:t>
-            </a:r>
-            <a:endParaRPr lang="pt-BR" sz="2000" b="1" dirty="0"/>
-          </a:p>
-          <a:p>
-            <a:r>
-              <a:rPr lang="pt-BR" sz="2000" b="1" dirty="0" smtClean="0"/>
-              <a:t>Lances </a:t>
-            </a:r>
-            <a:r>
-              <a:rPr lang="pt-BR" sz="2000" b="1" dirty="0"/>
-              <a:t>sem nenhuma ordem </a:t>
-            </a:r>
-            <a:r>
-              <a:rPr lang="pt-BR" sz="2000" b="1" dirty="0" smtClean="0"/>
-              <a:t>específica</a:t>
-            </a:r>
-            <a:endParaRPr lang="pt-BR" sz="2000" b="1" dirty="0"/>
-          </a:p>
-          <a:p>
-            <a:r>
-              <a:rPr lang="pt-BR" sz="2000" b="1" dirty="0" smtClean="0"/>
-              <a:t>Apenas </a:t>
-            </a:r>
-            <a:r>
-              <a:rPr lang="pt-BR" sz="2000" b="1" dirty="0"/>
-              <a:t>um lance na </a:t>
-            </a:r>
-            <a:r>
-              <a:rPr lang="pt-BR" sz="2000" b="1" dirty="0" smtClean="0"/>
-              <a:t>lista</a:t>
-            </a:r>
-            <a:endParaRPr lang="pt-BR" sz="2000" b="1" dirty="0"/>
-          </a:p>
-        </p:txBody>
-      </p:sp>
-    </p:spTree>
-    <p:extLst>
-      <p:ext uri="{BB962C8B-B14F-4D97-AF65-F5344CB8AC3E}">
-        <p14:creationId xmlns:p14="http://schemas.microsoft.com/office/powerpoint/2010/main" val="566289377"/>
-      </p:ext>
-    </p:extLst>
-  </p:cSld>
-  <p:clrMapOvr>
-    <a:masterClrMapping/>
-  </p:clrMapOvr>
-</p:sld>
-</file>
-
 <file path=ppt/slides/slide14.xml><?xml version="1.0" encoding="utf-8"?>
 <p:sld xmlns:a="http://schemas.openxmlformats.org/drawingml/2006/main" xmlns:r="http://schemas.openxmlformats.org/officeDocument/2006/relationships" xmlns:p="http://schemas.openxmlformats.org/presentationml/2006/main">
   <p:cSld>
@@ -9039,75 +9071,61 @@
           <a:p>
             <a:r>
               <a:rPr lang="pt-BR" sz="2000" b="1" dirty="0" smtClean="0"/>
-              <a:t>Vamos implementar o teste para somente 1 lance dado</a:t>
-            </a:r>
-          </a:p>
-          <a:p>
-            <a:r>
-              <a:rPr lang="pt-BR" sz="2000" b="1" dirty="0" smtClean="0"/>
-              <a:t>Ver código das notas 03</a:t>
-            </a:r>
-          </a:p>
-          <a:p>
-            <a:r>
-              <a:rPr lang="pt-BR" sz="2000" b="1" dirty="0" smtClean="0"/>
-              <a:t>Eliminar o </a:t>
-            </a:r>
-            <a:r>
-              <a:rPr lang="pt-BR" sz="2000" b="1" dirty="0" err="1" smtClean="0"/>
-              <a:t>Assert</a:t>
-            </a:r>
-            <a:r>
-              <a:rPr lang="pt-BR" sz="2000" b="1" dirty="0" smtClean="0"/>
-              <a:t> </a:t>
-            </a:r>
-            <a:r>
-              <a:rPr lang="pt-BR" sz="2000" b="1" dirty="0" err="1" smtClean="0"/>
-              <a:t>importanto</a:t>
-            </a:r>
-            <a:r>
-              <a:rPr lang="pt-BR" sz="2000" b="1" dirty="0" smtClean="0"/>
-              <a:t>:</a:t>
-            </a:r>
-          </a:p>
-          <a:p>
-            <a:pPr lvl="1"/>
-            <a:r>
-              <a:rPr lang="pt-BR" sz="2000" b="1" dirty="0" err="1"/>
-              <a:t>import</a:t>
+              <a:t>Lances </a:t>
             </a:r>
             <a:r>
               <a:rPr lang="pt-BR" sz="2000" b="1" dirty="0"/>
-              <a:t> </a:t>
-            </a:r>
-            <a:r>
-              <a:rPr lang="pt-BR" sz="2000" b="1" dirty="0" err="1"/>
-              <a:t>static</a:t>
+              <a:t>em ordem </a:t>
+            </a:r>
+            <a:r>
+              <a:rPr lang="pt-BR" sz="2000" b="1" dirty="0" smtClean="0"/>
+              <a:t>crescente</a:t>
+            </a:r>
+            <a:endParaRPr lang="pt-BR" sz="2000" b="1" dirty="0"/>
+          </a:p>
+          <a:p>
+            <a:r>
+              <a:rPr lang="pt-BR" sz="2000" b="1" dirty="0" smtClean="0"/>
+              <a:t>Lances </a:t>
             </a:r>
             <a:r>
               <a:rPr lang="pt-BR" sz="2000" b="1" dirty="0"/>
-              <a:t> </a:t>
-            </a:r>
-            <a:r>
-              <a:rPr lang="pt-BR" sz="2000" b="1" dirty="0" err="1"/>
-              <a:t>org.junit.Assert.assertEquals</a:t>
-            </a:r>
-            <a:r>
-              <a:rPr lang="pt-BR" sz="2000" b="1" dirty="0" smtClean="0"/>
-              <a:t>;</a:t>
-            </a:r>
-          </a:p>
-          <a:p>
-            <a:r>
-              <a:rPr lang="pt-BR" sz="2000" b="1" dirty="0" smtClean="0"/>
-              <a:t>Implementar na Classe Avaliador para que ele retorne os  três maiores lances</a:t>
-            </a:r>
-          </a:p>
-          <a:p>
-            <a:endParaRPr lang="pt-BR" sz="2200" b="1" dirty="0" smtClean="0"/>
-          </a:p>
-          <a:p>
-            <a:pPr lvl="1"/>
+              <a:t>em ordem </a:t>
+            </a:r>
+            <a:r>
+              <a:rPr lang="pt-BR" sz="2000" b="1" dirty="0" smtClean="0"/>
+              <a:t>decrescente</a:t>
+            </a:r>
+            <a:endParaRPr lang="pt-BR" sz="2000" b="1" dirty="0"/>
+          </a:p>
+          <a:p>
+            <a:r>
+              <a:rPr lang="pt-BR" sz="2000" b="1" dirty="0" smtClean="0"/>
+              <a:t>Lances </a:t>
+            </a:r>
+            <a:r>
+              <a:rPr lang="pt-BR" sz="2000" b="1" dirty="0"/>
+              <a:t>sem nenhuma ordem </a:t>
+            </a:r>
+            <a:r>
+              <a:rPr lang="pt-BR" sz="2000" b="1" dirty="0" smtClean="0"/>
+              <a:t>específica</a:t>
+            </a:r>
+            <a:endParaRPr lang="pt-BR" sz="2000" b="1" dirty="0"/>
+          </a:p>
+          <a:p>
+            <a:r>
+              <a:rPr lang="pt-BR" sz="2000" b="1" dirty="0" smtClean="0"/>
+              <a:t>Apenas </a:t>
+            </a:r>
+            <a:r>
+              <a:rPr lang="pt-BR" sz="2000" b="1" dirty="0"/>
+              <a:t>um lance na </a:t>
+            </a:r>
+            <a:r>
+              <a:rPr lang="pt-BR" sz="2000" b="1" dirty="0" smtClean="0"/>
+              <a:t>lista</a:t>
+            </a:r>
             <a:endParaRPr lang="pt-BR" sz="2000" b="1" dirty="0"/>
           </a:p>
         </p:txBody>
@@ -9115,7 +9133,7 @@
     </p:spTree>
     <p:extLst>
       <p:ext uri="{BB962C8B-B14F-4D97-AF65-F5344CB8AC3E}">
-        <p14:creationId xmlns:p14="http://schemas.microsoft.com/office/powerpoint/2010/main" val="2917204115"/>
+        <p14:creationId xmlns:p14="http://schemas.microsoft.com/office/powerpoint/2010/main" val="566289377"/>
       </p:ext>
     </p:extLst>
   </p:cSld>
@@ -9184,6 +9202,18 @@
           <a:p>
             <a:r>
               <a:rPr lang="pt-BR" sz="2000" b="1" dirty="0" smtClean="0"/>
+              <a:t>Vamos implementar o teste para somente 1 lance dado</a:t>
+            </a:r>
+          </a:p>
+          <a:p>
+            <a:r>
+              <a:rPr lang="pt-BR" sz="2000" b="1" dirty="0" smtClean="0"/>
+              <a:t>Ver código das notas 03</a:t>
+            </a:r>
+          </a:p>
+          <a:p>
+            <a:r>
+              <a:rPr lang="pt-BR" sz="2000" b="1" dirty="0" smtClean="0"/>
               <a:t>Eliminar o </a:t>
             </a:r>
             <a:r>
@@ -9237,51 +9267,7 @@
             </a:r>
           </a:p>
           <a:p>
-            <a:r>
-              <a:rPr lang="pt-BR" sz="2000" b="1" dirty="0" smtClean="0"/>
-              <a:t>Nota-se que esse teste passa corretamente, porém quebra o anterior</a:t>
-            </a:r>
-            <a:endParaRPr lang="pt-BR" sz="2000" b="1" dirty="0"/>
-          </a:p>
-          <a:p>
-            <a:r>
-              <a:rPr lang="pt-BR" sz="2000" b="1" dirty="0" smtClean="0"/>
-              <a:t>maiores </a:t>
-            </a:r>
-            <a:r>
-              <a:rPr lang="pt-BR" sz="2000" b="1" dirty="0"/>
-              <a:t>= </a:t>
-            </a:r>
-            <a:r>
-              <a:rPr lang="pt-BR" sz="2000" b="1" dirty="0" err="1"/>
-              <a:t>maiores.subList</a:t>
-            </a:r>
-            <a:r>
-              <a:rPr lang="pt-BR" sz="2000" b="1" dirty="0"/>
-              <a:t>(0, </a:t>
-            </a:r>
-            <a:r>
-              <a:rPr lang="pt-BR" sz="2000" b="1" dirty="0" err="1"/>
-              <a:t>maiores.size</a:t>
-            </a:r>
-            <a:r>
-              <a:rPr lang="pt-BR" sz="2000" b="1" dirty="0"/>
-              <a:t>() &gt; 3 ? 3 : </a:t>
-            </a:r>
-            <a:r>
-              <a:rPr lang="pt-BR" sz="2000" b="1" dirty="0" err="1"/>
-              <a:t>maiores.size</a:t>
-            </a:r>
-            <a:r>
-              <a:rPr lang="pt-BR" sz="2000" b="1" dirty="0" smtClean="0"/>
-              <a:t>());</a:t>
-            </a:r>
-          </a:p>
-          <a:p>
-            <a:r>
-              <a:rPr lang="pt-BR" sz="2000" b="1" dirty="0" smtClean="0"/>
-              <a:t>Devemos também testar os três maiores elementos</a:t>
-            </a:r>
+            <a:endParaRPr lang="pt-BR" sz="2200" b="1" dirty="0" smtClean="0"/>
           </a:p>
           <a:p>
             <a:pPr lvl="1"/>
@@ -9292,7 +9278,7 @@
     </p:spTree>
     <p:extLst>
       <p:ext uri="{BB962C8B-B14F-4D97-AF65-F5344CB8AC3E}">
-        <p14:creationId xmlns:p14="http://schemas.microsoft.com/office/powerpoint/2010/main" val="2900755918"/>
+        <p14:creationId xmlns:p14="http://schemas.microsoft.com/office/powerpoint/2010/main" val="2917204115"/>
       </p:ext>
     </p:extLst>
   </p:cSld>
@@ -9361,18 +9347,104 @@
           <a:p>
             <a:r>
               <a:rPr lang="pt-BR" sz="2000" b="1" dirty="0" smtClean="0"/>
-              <a:t>Até o momento, primeiro codificamos e só depois testamos.</a:t>
-            </a:r>
-          </a:p>
-          <a:p>
-            <a:r>
-              <a:rPr lang="pt-BR" sz="2000" b="1" dirty="0" smtClean="0"/>
-              <a:t>Isso não é TDD!</a:t>
+              <a:t>Eliminar o </a:t>
+            </a:r>
+            <a:r>
+              <a:rPr lang="pt-BR" sz="2000" b="1" dirty="0" err="1" smtClean="0"/>
+              <a:t>Assert</a:t>
+            </a:r>
+            <a:r>
+              <a:rPr lang="pt-BR" sz="2000" b="1" dirty="0" smtClean="0"/>
+              <a:t> </a:t>
+            </a:r>
+            <a:r>
+              <a:rPr lang="pt-BR" sz="2000" b="1" dirty="0" err="1" smtClean="0"/>
+              <a:t>importanto</a:t>
+            </a:r>
+            <a:r>
+              <a:rPr lang="pt-BR" sz="2000" b="1" dirty="0" smtClean="0"/>
+              <a:t>:</a:t>
+            </a:r>
+          </a:p>
+          <a:p>
+            <a:pPr lvl="1"/>
+            <a:r>
+              <a:rPr lang="pt-BR" sz="2000" b="1" dirty="0" err="1"/>
+              <a:t>import</a:t>
+            </a:r>
+            <a:r>
+              <a:rPr lang="pt-BR" sz="2000" b="1" dirty="0"/>
+              <a:t> </a:t>
+            </a:r>
+            <a:r>
+              <a:rPr lang="pt-BR" sz="2000" b="1" dirty="0" err="1"/>
+              <a:t>static</a:t>
+            </a:r>
+            <a:r>
+              <a:rPr lang="pt-BR" sz="2000" b="1" dirty="0"/>
+              <a:t> </a:t>
+            </a:r>
+            <a:r>
+              <a:rPr lang="pt-BR" sz="2000" b="1" dirty="0" err="1"/>
+              <a:t>org.junit.Assert.assertEquals</a:t>
+            </a:r>
+            <a:r>
+              <a:rPr lang="pt-BR" sz="2000" b="1" dirty="0" smtClean="0"/>
+              <a:t>;</a:t>
+            </a:r>
+          </a:p>
+          <a:p>
+            <a:r>
+              <a:rPr lang="pt-BR" sz="2000" b="1" dirty="0" smtClean="0"/>
+              <a:t>Implementar na Classe Avaliador para que ele retorne os  três maiores lances</a:t>
+            </a:r>
+          </a:p>
+          <a:p>
+            <a:r>
+              <a:rPr lang="pt-BR" sz="2000" b="1" dirty="0" smtClean="0"/>
+              <a:t>Nota-se que esse teste passa corretamente, porém quebra o anterior</a:t>
             </a:r>
             <a:endParaRPr lang="pt-BR" sz="2000" b="1" dirty="0"/>
           </a:p>
           <a:p>
-            <a:endParaRPr lang="pt-BR" sz="2200" b="1" dirty="0" smtClean="0"/>
+            <a:r>
+              <a:rPr lang="pt-BR" sz="2000" b="1" dirty="0" smtClean="0"/>
+              <a:t>maiores </a:t>
+            </a:r>
+            <a:r>
+              <a:rPr lang="pt-BR" sz="2000" b="1" dirty="0"/>
+              <a:t>= </a:t>
+            </a:r>
+            <a:r>
+              <a:rPr lang="pt-BR" sz="2000" b="1" dirty="0" err="1"/>
+              <a:t>maiores.subList</a:t>
+            </a:r>
+            <a:r>
+              <a:rPr lang="pt-BR" sz="2000" b="1" dirty="0"/>
+              <a:t>(0, </a:t>
+            </a:r>
+            <a:r>
+              <a:rPr lang="pt-BR" sz="2000" b="1" dirty="0" err="1"/>
+              <a:t>maiores.size</a:t>
+            </a:r>
+            <a:r>
+              <a:rPr lang="pt-BR" sz="2000" b="1" dirty="0"/>
+              <a:t>() &gt; 3 ? 3 : </a:t>
+            </a:r>
+            <a:r>
+              <a:rPr lang="pt-BR" sz="2000" b="1" dirty="0" err="1"/>
+              <a:t>maiores.size</a:t>
+            </a:r>
+            <a:r>
+              <a:rPr lang="pt-BR" sz="2000" b="1" dirty="0" smtClean="0"/>
+              <a:t>());</a:t>
+            </a:r>
+          </a:p>
+          <a:p>
+            <a:r>
+              <a:rPr lang="pt-BR" sz="2000" b="1" dirty="0" smtClean="0"/>
+              <a:t>Devemos também testar os três maiores elementos</a:t>
+            </a:r>
           </a:p>
           <a:p>
             <a:pPr lvl="1"/>
@@ -9383,7 +9455,7 @@
     </p:spTree>
     <p:extLst>
       <p:ext uri="{BB962C8B-B14F-4D97-AF65-F5344CB8AC3E}">
-        <p14:creationId xmlns:p14="http://schemas.microsoft.com/office/powerpoint/2010/main" val="1118759708"/>
+        <p14:creationId xmlns:p14="http://schemas.microsoft.com/office/powerpoint/2010/main" val="2900755918"/>
       </p:ext>
     </p:extLst>
   </p:cSld>
@@ -9427,6 +9499,97 @@
           <a:p>
             <a:r>
               <a:rPr lang="pt-BR" b="1" dirty="0" smtClean="0"/>
+              <a:t>Prática</a:t>
+            </a:r>
+            <a:endParaRPr lang="pt-BR" b="1" dirty="0"/>
+          </a:p>
+        </p:txBody>
+      </p:sp>
+      <p:sp>
+        <p:nvSpPr>
+          <p:cNvPr id="3" name="Espaço Reservado para Conteúdo 2"/>
+          <p:cNvSpPr>
+            <a:spLocks noGrp="1"/>
+          </p:cNvSpPr>
+          <p:nvPr>
+            <p:ph idx="1"/>
+          </p:nvPr>
+        </p:nvSpPr>
+        <p:spPr/>
+        <p:txBody>
+          <a:bodyPr>
+            <a:normAutofit/>
+          </a:bodyPr>
+          <a:lstStyle/>
+          <a:p>
+            <a:r>
+              <a:rPr lang="pt-BR" sz="2000" b="1" dirty="0" smtClean="0"/>
+              <a:t>Até o momento, primeiro codificamos e só depois testamos.</a:t>
+            </a:r>
+          </a:p>
+          <a:p>
+            <a:r>
+              <a:rPr lang="pt-BR" sz="2000" b="1" dirty="0" smtClean="0"/>
+              <a:t>Isso não é TDD!</a:t>
+            </a:r>
+            <a:endParaRPr lang="pt-BR" sz="2000" b="1" dirty="0"/>
+          </a:p>
+          <a:p>
+            <a:endParaRPr lang="pt-BR" sz="2200" b="1" dirty="0" smtClean="0"/>
+          </a:p>
+          <a:p>
+            <a:pPr lvl="1"/>
+            <a:endParaRPr lang="pt-BR" sz="2000" b="1" dirty="0"/>
+          </a:p>
+        </p:txBody>
+      </p:sp>
+    </p:spTree>
+    <p:extLst>
+      <p:ext uri="{BB962C8B-B14F-4D97-AF65-F5344CB8AC3E}">
+        <p14:creationId xmlns:p14="http://schemas.microsoft.com/office/powerpoint/2010/main" val="1118759708"/>
+      </p:ext>
+    </p:extLst>
+  </p:cSld>
+  <p:clrMapOvr>
+    <a:masterClrMapping/>
+  </p:clrMapOvr>
+</p:sld>
+</file>
+
+<file path=ppt/slides/slide18.xml><?xml version="1.0" encoding="utf-8"?>
+<p:sld xmlns:a="http://schemas.openxmlformats.org/drawingml/2006/main" xmlns:r="http://schemas.openxmlformats.org/officeDocument/2006/relationships" xmlns:p="http://schemas.openxmlformats.org/presentationml/2006/main">
+  <p:cSld>
+    <p:spTree>
+      <p:nvGrpSpPr>
+        <p:cNvPr id="1" name=""/>
+        <p:cNvGrpSpPr/>
+        <p:nvPr/>
+      </p:nvGrpSpPr>
+      <p:grpSpPr>
+        <a:xfrm>
+          <a:off x="0" y="0"/>
+          <a:ext cx="0" cy="0"/>
+          <a:chOff x="0" y="0"/>
+          <a:chExt cx="0" cy="0"/>
+        </a:xfrm>
+      </p:grpSpPr>
+      <p:sp>
+        <p:nvSpPr>
+          <p:cNvPr id="2" name="Título 1"/>
+          <p:cNvSpPr>
+            <a:spLocks noGrp="1"/>
+          </p:cNvSpPr>
+          <p:nvPr>
+            <p:ph type="title"/>
+          </p:nvPr>
+        </p:nvSpPr>
+        <p:spPr/>
+        <p:txBody>
+          <a:bodyPr/>
+          <a:lstStyle/>
+          <a:p>
+            <a:r>
+              <a:rPr lang="pt-BR" b="1" dirty="0" smtClean="0"/>
               <a:t>Definição</a:t>
             </a:r>
             <a:endParaRPr lang="pt-BR" b="1" dirty="0"/>
@@ -9500,7 +9663,7 @@
 </p:sld>
 </file>
 
-<file path=ppt/slides/slide18.xml><?xml version="1.0" encoding="utf-8"?>
+<file path=ppt/slides/slide19.xml><?xml version="1.0" encoding="utf-8"?>
 <p:sld xmlns:a="http://schemas.openxmlformats.org/drawingml/2006/main" xmlns:r="http://schemas.openxmlformats.org/officeDocument/2006/relationships" xmlns:p="http://schemas.openxmlformats.org/presentationml/2006/main">
   <p:cSld>
     <p:spTree>
@@ -9586,7 +9749,97 @@
 </p:sld>
 </file>
 
-<file path=ppt/slides/slide19.xml><?xml version="1.0" encoding="utf-8"?>
+<file path=ppt/slides/slide2.xml><?xml version="1.0" encoding="utf-8"?>
+<p:sld xmlns:a="http://schemas.openxmlformats.org/drawingml/2006/main" xmlns:r="http://schemas.openxmlformats.org/officeDocument/2006/relationships" xmlns:p="http://schemas.openxmlformats.org/presentationml/2006/main">
+  <p:cSld>
+    <p:spTree>
+      <p:nvGrpSpPr>
+        <p:cNvPr id="1" name=""/>
+        <p:cNvGrpSpPr/>
+        <p:nvPr/>
+      </p:nvGrpSpPr>
+      <p:grpSpPr>
+        <a:xfrm>
+          <a:off x="0" y="0"/>
+          <a:ext cx="0" cy="0"/>
+          <a:chOff x="0" y="0"/>
+          <a:chExt cx="0" cy="0"/>
+        </a:xfrm>
+      </p:grpSpPr>
+      <p:sp>
+        <p:nvSpPr>
+          <p:cNvPr id="2" name="Título 1"/>
+          <p:cNvSpPr>
+            <a:spLocks noGrp="1"/>
+          </p:cNvSpPr>
+          <p:nvPr>
+            <p:ph type="title"/>
+          </p:nvPr>
+        </p:nvSpPr>
+        <p:spPr/>
+        <p:txBody>
+          <a:bodyPr/>
+          <a:lstStyle/>
+          <a:p>
+            <a:r>
+              <a:rPr lang="pt-BR" dirty="0" smtClean="0"/>
+              <a:t>GitHub</a:t>
+            </a:r>
+            <a:endParaRPr lang="pt-BR" dirty="0"/>
+          </a:p>
+        </p:txBody>
+      </p:sp>
+      <p:sp>
+        <p:nvSpPr>
+          <p:cNvPr id="3" name="Espaço Reservado para Conteúdo 2"/>
+          <p:cNvSpPr>
+            <a:spLocks noGrp="1"/>
+          </p:cNvSpPr>
+          <p:nvPr>
+            <p:ph idx="1"/>
+          </p:nvPr>
+        </p:nvSpPr>
+        <p:spPr>
+          <a:xfrm>
+            <a:off x="904462" y="2087218"/>
+            <a:ext cx="10823713" cy="4569439"/>
+          </a:xfrm>
+        </p:spPr>
+        <p:txBody>
+          <a:bodyPr>
+            <a:normAutofit/>
+          </a:bodyPr>
+          <a:lstStyle/>
+          <a:p>
+            <a:pPr marL="0" indent="0" algn="ctr">
+              <a:buNone/>
+            </a:pPr>
+            <a:r>
+              <a:rPr lang="pt-BR" sz="4800" dirty="0"/>
+              <a:t>https://</a:t>
+            </a:r>
+            <a:r>
+              <a:rPr lang="pt-BR" sz="4800" dirty="0" smtClean="0"/>
+              <a:t>github.com/Marcio-Albuquerque/AulaLeilao</a:t>
+            </a:r>
+            <a:endParaRPr lang="pt-BR" sz="4800" dirty="0"/>
+          </a:p>
+        </p:txBody>
+      </p:sp>
+    </p:spTree>
+    <p:extLst>
+      <p:ext uri="{BB962C8B-B14F-4D97-AF65-F5344CB8AC3E}">
+        <p14:creationId xmlns:p14="http://schemas.microsoft.com/office/powerpoint/2010/main" val="2755455445"/>
+      </p:ext>
+    </p:extLst>
+  </p:cSld>
+  <p:clrMapOvr>
+    <a:masterClrMapping/>
+  </p:clrMapOvr>
+</p:sld>
+</file>
+
+<file path=ppt/slides/slide20.xml><?xml version="1.0" encoding="utf-8"?>
 <p:sld xmlns:a="http://schemas.openxmlformats.org/drawingml/2006/main" xmlns:r="http://schemas.openxmlformats.org/officeDocument/2006/relationships" xmlns:p="http://schemas.openxmlformats.org/presentationml/2006/main">
   <p:cSld>
     <p:spTree>
@@ -9722,331 +9975,6 @@
 </p:sld>
 </file>
 
-<file path=ppt/slides/slide2.xml><?xml version="1.0" encoding="utf-8"?>
-<p:sld xmlns:a="http://schemas.openxmlformats.org/drawingml/2006/main" xmlns:r="http://schemas.openxmlformats.org/officeDocument/2006/relationships" xmlns:p="http://schemas.openxmlformats.org/presentationml/2006/main">
-  <p:cSld>
-    <p:spTree>
-      <p:nvGrpSpPr>
-        <p:cNvPr id="1" name=""/>
-        <p:cNvGrpSpPr/>
-        <p:nvPr/>
-      </p:nvGrpSpPr>
-      <p:grpSpPr>
-        <a:xfrm>
-          <a:off x="0" y="0"/>
-          <a:ext cx="0" cy="0"/>
-          <a:chOff x="0" y="0"/>
-          <a:chExt cx="0" cy="0"/>
-        </a:xfrm>
-      </p:grpSpPr>
-      <p:sp>
-        <p:nvSpPr>
-          <p:cNvPr id="2" name="Título 1"/>
-          <p:cNvSpPr>
-            <a:spLocks noGrp="1"/>
-          </p:cNvSpPr>
-          <p:nvPr>
-            <p:ph type="title"/>
-          </p:nvPr>
-        </p:nvSpPr>
-        <p:spPr/>
-        <p:txBody>
-          <a:bodyPr/>
-          <a:lstStyle/>
-          <a:p>
-            <a:r>
-              <a:rPr lang="pt-BR" b="1" dirty="0" smtClean="0"/>
-              <a:t>PRÁTICA</a:t>
-            </a:r>
-            <a:endParaRPr lang="pt-BR" b="1" dirty="0"/>
-          </a:p>
-        </p:txBody>
-      </p:sp>
-      <p:sp>
-        <p:nvSpPr>
-          <p:cNvPr id="3" name="Espaço Reservado para Conteúdo 2"/>
-          <p:cNvSpPr>
-            <a:spLocks noGrp="1"/>
-          </p:cNvSpPr>
-          <p:nvPr>
-            <p:ph idx="1"/>
-          </p:nvPr>
-        </p:nvSpPr>
-        <p:spPr>
-          <a:xfrm>
-            <a:off x="2589212" y="2133600"/>
-            <a:ext cx="8915400" cy="4724400"/>
-          </a:xfrm>
-        </p:spPr>
-        <p:txBody>
-          <a:bodyPr>
-            <a:normAutofit/>
-          </a:bodyPr>
-          <a:lstStyle/>
-          <a:p>
-            <a:r>
-              <a:rPr lang="pt-BR" sz="2000" b="1" dirty="0" smtClean="0"/>
-              <a:t>Sistema simples para gerir leilões;</a:t>
-            </a:r>
-          </a:p>
-          <a:p>
-            <a:r>
-              <a:rPr lang="pt-BR" sz="2000" b="1" dirty="0" smtClean="0"/>
-              <a:t>Classe </a:t>
-            </a:r>
-            <a:r>
-              <a:rPr lang="pt-BR" sz="2000" b="1" dirty="0" err="1" smtClean="0"/>
-              <a:t>Usuario</a:t>
-            </a:r>
-            <a:endParaRPr lang="pt-BR" sz="2000" b="1" dirty="0" smtClean="0"/>
-          </a:p>
-          <a:p>
-            <a:pPr lvl="1"/>
-            <a:r>
-              <a:rPr lang="pt-BR" sz="1800" b="1" dirty="0" smtClean="0"/>
-              <a:t>Id</a:t>
-            </a:r>
-          </a:p>
-          <a:p>
-            <a:pPr lvl="1"/>
-            <a:r>
-              <a:rPr lang="pt-BR" sz="1800" b="1" dirty="0"/>
-              <a:t>n</a:t>
-            </a:r>
-            <a:r>
-              <a:rPr lang="pt-BR" sz="1800" b="1" dirty="0" smtClean="0"/>
-              <a:t>ome</a:t>
-            </a:r>
-          </a:p>
-          <a:p>
-            <a:r>
-              <a:rPr lang="pt-BR" sz="2000" b="1" dirty="0" smtClean="0"/>
-              <a:t>Classe Lance</a:t>
-            </a:r>
-          </a:p>
-          <a:p>
-            <a:pPr lvl="1"/>
-            <a:r>
-              <a:rPr lang="pt-BR" sz="1800" b="1" dirty="0" err="1" smtClean="0"/>
-              <a:t>usuario</a:t>
-            </a:r>
-            <a:endParaRPr lang="pt-BR" sz="1800" b="1" dirty="0" smtClean="0"/>
-          </a:p>
-          <a:p>
-            <a:pPr lvl="1"/>
-            <a:r>
-              <a:rPr lang="pt-BR" sz="1800" b="1" dirty="0" smtClean="0"/>
-              <a:t>valor</a:t>
-            </a:r>
-          </a:p>
-          <a:p>
-            <a:r>
-              <a:rPr lang="pt-BR" sz="2000" b="1" dirty="0"/>
-              <a:t>Classe </a:t>
-            </a:r>
-            <a:r>
-              <a:rPr lang="pt-BR" sz="2000" b="1" dirty="0" err="1" smtClean="0"/>
-              <a:t>Leilao</a:t>
-            </a:r>
-            <a:endParaRPr lang="pt-BR" sz="2000" b="1" dirty="0" smtClean="0"/>
-          </a:p>
-          <a:p>
-            <a:pPr lvl="1"/>
-            <a:r>
-              <a:rPr lang="pt-BR" sz="1800" b="1" dirty="0" smtClean="0"/>
-              <a:t>descrição</a:t>
-            </a:r>
-          </a:p>
-          <a:p>
-            <a:pPr lvl="1"/>
-            <a:r>
-              <a:rPr lang="pt-BR" sz="1800" b="1" dirty="0"/>
-              <a:t>l</a:t>
-            </a:r>
-            <a:r>
-              <a:rPr lang="pt-BR" sz="1800" b="1" dirty="0" smtClean="0"/>
-              <a:t>ista lances</a:t>
-            </a:r>
-          </a:p>
-          <a:p>
-            <a:endParaRPr lang="pt-BR" sz="2000" b="1" dirty="0" smtClean="0"/>
-          </a:p>
-          <a:p>
-            <a:endParaRPr lang="pt-BR" sz="2000" b="1" dirty="0"/>
-          </a:p>
-        </p:txBody>
-      </p:sp>
-    </p:spTree>
-    <p:extLst>
-      <p:ext uri="{BB962C8B-B14F-4D97-AF65-F5344CB8AC3E}">
-        <p14:creationId xmlns:p14="http://schemas.microsoft.com/office/powerpoint/2010/main" val="4156136386"/>
-      </p:ext>
-    </p:extLst>
-  </p:cSld>
-  <p:clrMapOvr>
-    <a:masterClrMapping/>
-  </p:clrMapOvr>
-</p:sld>
-</file>
-
-<file path=ppt/slides/slide20.xml><?xml version="1.0" encoding="utf-8"?>
-<p:sld xmlns:a="http://schemas.openxmlformats.org/drawingml/2006/main" xmlns:r="http://schemas.openxmlformats.org/officeDocument/2006/relationships" xmlns:p="http://schemas.openxmlformats.org/presentationml/2006/main">
-  <p:cSld>
-    <p:spTree>
-      <p:nvGrpSpPr>
-        <p:cNvPr id="1" name=""/>
-        <p:cNvGrpSpPr/>
-        <p:nvPr/>
-      </p:nvGrpSpPr>
-      <p:grpSpPr>
-        <a:xfrm>
-          <a:off x="0" y="0"/>
-          <a:ext cx="0" cy="0"/>
-          <a:chOff x="0" y="0"/>
-          <a:chExt cx="0" cy="0"/>
-        </a:xfrm>
-      </p:grpSpPr>
-      <p:sp>
-        <p:nvSpPr>
-          <p:cNvPr id="2" name="Título 1"/>
-          <p:cNvSpPr>
-            <a:spLocks noGrp="1"/>
-          </p:cNvSpPr>
-          <p:nvPr>
-            <p:ph type="title"/>
-          </p:nvPr>
-        </p:nvSpPr>
-        <p:spPr/>
-        <p:txBody>
-          <a:bodyPr/>
-          <a:lstStyle/>
-          <a:p>
-            <a:r>
-              <a:rPr lang="pt-BR" dirty="0" smtClean="0"/>
-              <a:t>Baby </a:t>
-            </a:r>
-            <a:r>
-              <a:rPr lang="pt-BR" dirty="0" err="1" smtClean="0"/>
-              <a:t>Steps</a:t>
-            </a:r>
-            <a:endParaRPr lang="pt-BR" dirty="0"/>
-          </a:p>
-        </p:txBody>
-      </p:sp>
-      <p:sp>
-        <p:nvSpPr>
-          <p:cNvPr id="3" name="Espaço Reservado para Conteúdo 2"/>
-          <p:cNvSpPr>
-            <a:spLocks noGrp="1"/>
-          </p:cNvSpPr>
-          <p:nvPr>
-            <p:ph idx="1"/>
-          </p:nvPr>
-        </p:nvSpPr>
-        <p:spPr/>
-        <p:txBody>
-          <a:bodyPr>
-            <a:normAutofit/>
-          </a:bodyPr>
-          <a:lstStyle/>
-          <a:p>
-            <a:r>
-              <a:rPr lang="pt-BR" sz="2000" b="1" dirty="0" smtClean="0"/>
-              <a:t>Tomar </a:t>
-            </a:r>
-            <a:r>
-              <a:rPr lang="pt-BR" sz="2000" b="1" dirty="0"/>
-              <a:t>o passo mais simples que resolva o problema naquele </a:t>
-            </a:r>
-            <a:r>
-              <a:rPr lang="pt-BR" sz="2000" b="1" dirty="0" smtClean="0"/>
-              <a:t>momento</a:t>
-            </a:r>
-          </a:p>
-          <a:p>
-            <a:r>
-              <a:rPr lang="pt-BR" sz="2000" b="1" dirty="0" smtClean="0"/>
-              <a:t>Levar </a:t>
-            </a:r>
-            <a:r>
-              <a:rPr lang="pt-BR" sz="2000" b="1" dirty="0"/>
-              <a:t>o desenvolvedor sempre ao </a:t>
-            </a:r>
-            <a:r>
-              <a:rPr lang="pt-BR" sz="2000" b="1" dirty="0" smtClean="0"/>
-              <a:t>código mais simples</a:t>
-            </a:r>
-          </a:p>
-          <a:p>
-            <a:r>
-              <a:rPr lang="pt-BR" sz="2000" b="1" dirty="0" smtClean="0"/>
-              <a:t>PROBLEMA: </a:t>
-            </a:r>
-            <a:r>
-              <a:rPr lang="pt-BR" sz="2000" b="1" dirty="0"/>
-              <a:t>desenvolvedor, ao invés de partir para </a:t>
-            </a:r>
-            <a:r>
-              <a:rPr lang="pt-BR" sz="2000" b="1" dirty="0" smtClean="0"/>
-              <a:t>uma solução </a:t>
-            </a:r>
-            <a:r>
-              <a:rPr lang="pt-BR" sz="2000" b="1" dirty="0"/>
-              <a:t>mais abstrata, que resolveria o problema de forma genérica, prefere </a:t>
-            </a:r>
-            <a:r>
-              <a:rPr lang="pt-BR" sz="2000" b="1" dirty="0" smtClean="0"/>
-              <a:t>ficar postergando </a:t>
-            </a:r>
-            <a:r>
-              <a:rPr lang="pt-BR" sz="2000" b="1" dirty="0"/>
-              <a:t>a implementação final, com a desculpa de estar praticando passos </a:t>
-            </a:r>
-            <a:r>
-              <a:rPr lang="pt-BR" sz="2000" b="1" dirty="0" smtClean="0"/>
-              <a:t>de bebê.</a:t>
-            </a:r>
-          </a:p>
-          <a:p>
-            <a:r>
-              <a:rPr lang="pt-BR" sz="2000" b="1" dirty="0" smtClean="0"/>
-              <a:t>Desenvolvedor deve </a:t>
-            </a:r>
-            <a:r>
-              <a:rPr lang="pt-BR" sz="2000" b="1" dirty="0"/>
-              <a:t>buscar pela solução mais simples, e não pela modificação </a:t>
-            </a:r>
-            <a:r>
-              <a:rPr lang="pt-BR" sz="2000" b="1" dirty="0" smtClean="0"/>
-              <a:t>mais simples</a:t>
-            </a:r>
-            <a:r>
-              <a:rPr lang="pt-BR" sz="2000" b="1" dirty="0"/>
-              <a:t>.</a:t>
-            </a:r>
-          </a:p>
-        </p:txBody>
-      </p:sp>
-    </p:spTree>
-    <p:extLst>
-      <p:ext uri="{BB962C8B-B14F-4D97-AF65-F5344CB8AC3E}">
-        <p14:creationId xmlns:p14="http://schemas.microsoft.com/office/powerpoint/2010/main" val="3614591889"/>
-      </p:ext>
-    </p:extLst>
-  </p:cSld>
-  <p:clrMapOvr>
-    <a:masterClrMapping/>
-  </p:clrMapOvr>
-  <p:timing>
-    <p:tnLst>
-      <p:par>
-        <p:cTn id="1" dur="indefinite" restart="never" nodeType="tmRoot"/>
-      </p:par>
-    </p:tnLst>
-  </p:timing>
-</p:sld>
-</file>
-
 <file path=ppt/slides/slide21.xml><?xml version="1.0" encoding="utf-8"?>
 <p:sld xmlns:a="http://schemas.openxmlformats.org/drawingml/2006/main" xmlns:r="http://schemas.openxmlformats.org/officeDocument/2006/relationships" xmlns:p="http://schemas.openxmlformats.org/presentationml/2006/main">
   <p:cSld>
@@ -10080,10 +10008,14 @@
           <a:lstStyle/>
           <a:p>
             <a:r>
-              <a:rPr lang="pt-BR" b="1" dirty="0" smtClean="0"/>
-              <a:t>Prática</a:t>
-            </a:r>
-            <a:endParaRPr lang="pt-BR" b="1" dirty="0"/>
+              <a:rPr lang="pt-BR" dirty="0" smtClean="0"/>
+              <a:t>Baby </a:t>
+            </a:r>
+            <a:r>
+              <a:rPr lang="pt-BR" dirty="0" err="1" smtClean="0"/>
+              <a:t>Steps</a:t>
+            </a:r>
+            <a:endParaRPr lang="pt-BR" dirty="0"/>
           </a:p>
         </p:txBody>
       </p:sp>
@@ -10106,40 +10038,85 @@
           <a:p>
             <a:r>
               <a:rPr lang="pt-BR" sz="2000" b="1" dirty="0" smtClean="0"/>
-              <a:t>A classe Leilão é importante e precisa ser testada</a:t>
-            </a:r>
-          </a:p>
-          <a:p>
-            <a:pPr lvl="1"/>
-            <a:r>
-              <a:rPr lang="pt-BR" sz="2000" b="1" dirty="0" smtClean="0"/>
-              <a:t>Em especial o método propõe, que pode receber modificações</a:t>
-            </a:r>
-          </a:p>
-          <a:p>
-            <a:r>
-              <a:rPr lang="pt-BR" sz="2000" b="1" dirty="0" smtClean="0"/>
-              <a:t>Criar classe </a:t>
-            </a:r>
-            <a:r>
-              <a:rPr lang="pt-BR" sz="2000" b="1" dirty="0" err="1" smtClean="0"/>
-              <a:t>LeilaoTest</a:t>
-            </a:r>
-            <a:endParaRPr lang="pt-BR" sz="2000" b="1" dirty="0" smtClean="0"/>
-          </a:p>
-          <a:p>
-            <a:r>
-              <a:rPr lang="pt-BR" sz="2000" b="1" dirty="0" smtClean="0"/>
-              <a:t>Copiar código de teste inicial das notas 04</a:t>
-            </a:r>
-            <a:endParaRPr lang="pt-BR" sz="2000" b="1" dirty="0"/>
+              <a:t>Tomar </a:t>
+            </a:r>
+            <a:r>
+              <a:rPr lang="pt-BR" sz="2000" b="1" dirty="0"/>
+              <a:t>o passo mais simples que resolva o problema naquele </a:t>
+            </a:r>
+            <a:r>
+              <a:rPr lang="pt-BR" sz="2000" b="1" dirty="0" smtClean="0"/>
+              <a:t>momento</a:t>
+            </a:r>
+          </a:p>
+          <a:p>
+            <a:r>
+              <a:rPr lang="pt-BR" sz="2000" b="1" dirty="0" smtClean="0"/>
+              <a:t>Levar </a:t>
+            </a:r>
+            <a:r>
+              <a:rPr lang="pt-BR" sz="2000" b="1" dirty="0"/>
+              <a:t>o desenvolvedor sempre ao </a:t>
+            </a:r>
+            <a:r>
+              <a:rPr lang="pt-BR" sz="2000" b="1" dirty="0" smtClean="0"/>
+              <a:t>código mais simples</a:t>
+            </a:r>
+          </a:p>
+          <a:p>
+            <a:r>
+              <a:rPr lang="pt-BR" sz="2000" b="1" dirty="0" smtClean="0"/>
+              <a:t>PROBLEMA: </a:t>
+            </a:r>
+            <a:r>
+              <a:rPr lang="pt-BR" sz="2000" b="1" dirty="0"/>
+              <a:t>desenvolvedor, ao invés de partir para </a:t>
+            </a:r>
+            <a:r>
+              <a:rPr lang="pt-BR" sz="2000" b="1" dirty="0" smtClean="0"/>
+              <a:t>uma solução </a:t>
+            </a:r>
+            <a:r>
+              <a:rPr lang="pt-BR" sz="2000" b="1" dirty="0"/>
+              <a:t>mais abstrata, que resolveria o problema de forma genérica, prefere </a:t>
+            </a:r>
+            <a:r>
+              <a:rPr lang="pt-BR" sz="2000" b="1" dirty="0" smtClean="0"/>
+              <a:t>ficar postergando </a:t>
+            </a:r>
+            <a:r>
+              <a:rPr lang="pt-BR" sz="2000" b="1" dirty="0"/>
+              <a:t>a implementação final, com a desculpa de estar praticando passos </a:t>
+            </a:r>
+            <a:r>
+              <a:rPr lang="pt-BR" sz="2000" b="1" dirty="0" smtClean="0"/>
+              <a:t>de bebê.</a:t>
+            </a:r>
+          </a:p>
+          <a:p>
+            <a:r>
+              <a:rPr lang="pt-BR" sz="2000" b="1" dirty="0" smtClean="0"/>
+              <a:t>Desenvolvedor deve </a:t>
+            </a:r>
+            <a:r>
+              <a:rPr lang="pt-BR" sz="2000" b="1" dirty="0"/>
+              <a:t>buscar pela solução mais simples, e não pela modificação </a:t>
+            </a:r>
+            <a:r>
+              <a:rPr lang="pt-BR" sz="2000" b="1" dirty="0" smtClean="0"/>
+              <a:t>mais simples</a:t>
+            </a:r>
+            <a:r>
+              <a:rPr lang="pt-BR" sz="2000" b="1" dirty="0"/>
+              <a:t>.</a:t>
+            </a:r>
           </a:p>
         </p:txBody>
       </p:sp>
     </p:spTree>
     <p:extLst>
       <p:ext uri="{BB962C8B-B14F-4D97-AF65-F5344CB8AC3E}">
-        <p14:creationId xmlns:p14="http://schemas.microsoft.com/office/powerpoint/2010/main" val="2744097480"/>
+        <p14:creationId xmlns:p14="http://schemas.microsoft.com/office/powerpoint/2010/main" val="3614591889"/>
       </p:ext>
     </p:extLst>
   </p:cSld>
@@ -10215,45 +10192,32 @@
           <a:p>
             <a:r>
               <a:rPr lang="pt-BR" sz="2000" b="1" dirty="0" smtClean="0"/>
-              <a:t>Iremos adicionar as seguintes regras:</a:t>
+              <a:t>A classe Leilão é importante e precisa ser testada</a:t>
             </a:r>
           </a:p>
           <a:p>
             <a:pPr lvl="1"/>
             <a:r>
-              <a:rPr lang="pt-BR" sz="2000" b="1" dirty="0"/>
-              <a:t>Uma pessoa não pode propor dois lances em </a:t>
-            </a:r>
-            <a:r>
-              <a:rPr lang="pt-BR" sz="2000" b="1" dirty="0" smtClean="0"/>
-              <a:t>sequência</a:t>
-            </a:r>
-          </a:p>
-          <a:p>
-            <a:pPr lvl="1"/>
-            <a:r>
-              <a:rPr lang="pt-BR" sz="2000" b="1" dirty="0" smtClean="0"/>
-              <a:t>Uma </a:t>
-            </a:r>
-            <a:r>
-              <a:rPr lang="pt-BR" sz="2000" b="1" dirty="0"/>
-              <a:t>pessoa não pode dar mais do que cinco lances no mesmo leilão</a:t>
+              <a:rPr lang="pt-BR" sz="2000" b="1" dirty="0" smtClean="0"/>
+              <a:t>Em especial o método propõe, que pode receber modificações</a:t>
+            </a:r>
+          </a:p>
+          <a:p>
+            <a:r>
+              <a:rPr lang="pt-BR" sz="2000" b="1" dirty="0" smtClean="0"/>
+              <a:t>Criar classe </a:t>
+            </a:r>
+            <a:r>
+              <a:rPr lang="pt-BR" sz="2000" b="1" dirty="0" err="1" smtClean="0"/>
+              <a:t>LeilaoTest</a:t>
             </a:r>
             <a:endParaRPr lang="pt-BR" sz="2000" b="1" dirty="0" smtClean="0"/>
           </a:p>
           <a:p>
             <a:r>
               <a:rPr lang="pt-BR" sz="2000" b="1" dirty="0" smtClean="0"/>
-              <a:t>Logo, primeiro iremos codificar o teste do lance seguido</a:t>
-            </a:r>
-          </a:p>
-          <a:p>
-            <a:r>
-              <a:rPr lang="pt-BR" sz="2000" b="1" dirty="0" smtClean="0"/>
-              <a:t>Copiar código das notas 04 e em seguida vamos testar</a:t>
-            </a:r>
-          </a:p>
-          <a:p>
+              <a:t>Copiar código de teste inicial das notas 04</a:t>
+            </a:r>
             <a:endParaRPr lang="pt-BR" sz="2000" b="1" dirty="0"/>
           </a:p>
         </p:txBody>
@@ -10261,7 +10225,7 @@
     </p:spTree>
     <p:extLst>
       <p:ext uri="{BB962C8B-B14F-4D97-AF65-F5344CB8AC3E}">
-        <p14:creationId xmlns:p14="http://schemas.microsoft.com/office/powerpoint/2010/main" val="4282355406"/>
+        <p14:creationId xmlns:p14="http://schemas.microsoft.com/office/powerpoint/2010/main" val="2744097480"/>
       </p:ext>
     </p:extLst>
   </p:cSld>
@@ -10376,32 +10340,6 @@
             </a:r>
           </a:p>
           <a:p>
-            <a:r>
-              <a:rPr lang="pt-BR" sz="2000" b="1" dirty="0" smtClean="0"/>
-              <a:t>Após o erro, agora vamos codificar</a:t>
-            </a:r>
-          </a:p>
-          <a:p>
-            <a:pPr lvl="1"/>
-            <a:r>
-              <a:rPr lang="pt-BR" sz="2000" b="1" dirty="0" smtClean="0"/>
-              <a:t>Modificar método </a:t>
-            </a:r>
-            <a:r>
-              <a:rPr lang="pt-BR" sz="2000" b="1" dirty="0" err="1" smtClean="0"/>
-              <a:t>propoe</a:t>
-            </a:r>
-            <a:r>
-              <a:rPr lang="pt-BR" sz="2000" b="1" dirty="0" smtClean="0"/>
-              <a:t> da classe </a:t>
-            </a:r>
-            <a:r>
-              <a:rPr lang="pt-BR" sz="2000" b="1" dirty="0" err="1" smtClean="0"/>
-              <a:t>Leilao</a:t>
-            </a:r>
-            <a:endParaRPr lang="pt-BR" sz="1800" b="1" dirty="0" smtClean="0"/>
-          </a:p>
-          <a:p>
             <a:endParaRPr lang="pt-BR" sz="2000" b="1" dirty="0"/>
           </a:p>
         </p:txBody>
@@ -10409,7 +10347,7 @@
     </p:spTree>
     <p:extLst>
       <p:ext uri="{BB962C8B-B14F-4D97-AF65-F5344CB8AC3E}">
-        <p14:creationId xmlns:p14="http://schemas.microsoft.com/office/powerpoint/2010/main" val="1826726274"/>
+        <p14:creationId xmlns:p14="http://schemas.microsoft.com/office/powerpoint/2010/main" val="4282355406"/>
       </p:ext>
     </p:extLst>
   </p:cSld>
@@ -10485,16 +10423,69 @@
           <a:p>
             <a:r>
               <a:rPr lang="pt-BR" sz="2000" b="1" dirty="0" smtClean="0"/>
-              <a:t>Iremos </a:t>
+              <a:t>Iremos adicionar as seguintes regras:</a:t>
+            </a:r>
+          </a:p>
+          <a:p>
+            <a:pPr lvl="1"/>
+            <a:r>
+              <a:rPr lang="pt-BR" sz="2000" b="1" dirty="0"/>
+              <a:t>Uma pessoa não pode propor dois lances em </a:t>
+            </a:r>
+            <a:r>
+              <a:rPr lang="pt-BR" sz="2000" b="1" dirty="0" smtClean="0"/>
+              <a:t>sequência</a:t>
+            </a:r>
+          </a:p>
+          <a:p>
+            <a:pPr lvl="1"/>
+            <a:r>
+              <a:rPr lang="pt-BR" sz="2000" b="1" dirty="0" smtClean="0"/>
+              <a:t>Uma </a:t>
+            </a:r>
+            <a:r>
+              <a:rPr lang="pt-BR" sz="2000" b="1" dirty="0"/>
+              <a:t>pessoa não pode dar mais do que cinco lances no mesmo leilão</a:t>
+            </a:r>
+            <a:endParaRPr lang="pt-BR" sz="2000" b="1" dirty="0" smtClean="0"/>
+          </a:p>
+          <a:p>
+            <a:r>
+              <a:rPr lang="pt-BR" sz="2000" b="1" dirty="0" smtClean="0"/>
+              <a:t>Logo, primeiro iremos codificar o teste do lance seguido</a:t>
+            </a:r>
+          </a:p>
+          <a:p>
+            <a:r>
+              <a:rPr lang="pt-BR" sz="2000" b="1" dirty="0" smtClean="0"/>
+              <a:t>Copiar código das notas 04 e em seguida vamos testar</a:t>
+            </a:r>
+          </a:p>
+          <a:p>
+            <a:r>
+              <a:rPr lang="pt-BR" sz="2000" b="1" dirty="0" smtClean="0"/>
+              <a:t>Após o erro, agora vamos codificar</a:t>
+            </a:r>
+          </a:p>
+          <a:p>
+            <a:pPr lvl="1"/>
+            <a:r>
+              <a:rPr lang="pt-BR" sz="2000" b="1" dirty="0" smtClean="0"/>
+              <a:t>Modificar método </a:t>
             </a:r>
             <a:r>
               <a:rPr lang="pt-BR" sz="2000" b="1" dirty="0" err="1" smtClean="0"/>
-              <a:t>refatorar</a:t>
-            </a:r>
-            <a:r>
-              <a:rPr lang="pt-BR" sz="2000" b="1" dirty="0" smtClean="0"/>
-              <a:t> nosso método propõe para uma melhor compreensão do mesmo</a:t>
-            </a:r>
+              <a:t>propoe</a:t>
+            </a:r>
+            <a:r>
+              <a:rPr lang="pt-BR" sz="2000" b="1" dirty="0" smtClean="0"/>
+              <a:t> da classe </a:t>
+            </a:r>
+            <a:r>
+              <a:rPr lang="pt-BR" sz="2000" b="1" dirty="0" err="1" smtClean="0"/>
+              <a:t>Leilao</a:t>
+            </a:r>
+            <a:endParaRPr lang="pt-BR" sz="1800" b="1" dirty="0" smtClean="0"/>
           </a:p>
           <a:p>
             <a:endParaRPr lang="pt-BR" sz="2000" b="1" dirty="0"/>
@@ -10504,7 +10495,7 @@
     </p:spTree>
     <p:extLst>
       <p:ext uri="{BB962C8B-B14F-4D97-AF65-F5344CB8AC3E}">
-        <p14:creationId xmlns:p14="http://schemas.microsoft.com/office/powerpoint/2010/main" val="1787900618"/>
+        <p14:creationId xmlns:p14="http://schemas.microsoft.com/office/powerpoint/2010/main" val="1826726274"/>
       </p:ext>
     </p:extLst>
   </p:cSld>
@@ -10592,16 +10583,6 @@
             </a:r>
           </a:p>
           <a:p>
-            <a:r>
-              <a:rPr lang="pt-BR" sz="2000" b="1" dirty="0" smtClean="0"/>
-              <a:t>Vamos implemente a funcionalidade de não permitir mais de 5 lances por usuário</a:t>
-            </a:r>
-          </a:p>
-          <a:p>
-            <a:r>
-              <a:rPr lang="pt-BR" sz="2000" b="1" dirty="0" smtClean="0"/>
-              <a:t>Primeiro implementamos o teste, copiar código das notas 05.</a:t>
-            </a:r>
             <a:endParaRPr lang="pt-BR" sz="2000" b="1" dirty="0"/>
           </a:p>
         </p:txBody>
@@ -10609,7 +10590,7 @@
     </p:spTree>
     <p:extLst>
       <p:ext uri="{BB962C8B-B14F-4D97-AF65-F5344CB8AC3E}">
-        <p14:creationId xmlns:p14="http://schemas.microsoft.com/office/powerpoint/2010/main" val="3873467616"/>
+        <p14:creationId xmlns:p14="http://schemas.microsoft.com/office/powerpoint/2010/main" val="1787900618"/>
       </p:ext>
     </p:extLst>
   </p:cSld>
@@ -10705,26 +10686,16 @@
           <a:p>
             <a:r>
               <a:rPr lang="pt-BR" sz="2000" b="1" dirty="0" smtClean="0"/>
-              <a:t>Primeiro implementamos o teste, copiar código das notas 05</a:t>
-            </a:r>
-          </a:p>
-          <a:p>
-            <a:r>
-              <a:rPr lang="pt-BR" sz="2000" b="1" dirty="0" smtClean="0"/>
-              <a:t>Novamente o teste falha, vamos modificar nossa função </a:t>
-            </a:r>
-            <a:r>
-              <a:rPr lang="pt-BR" sz="2000" b="1" dirty="0" err="1" smtClean="0"/>
-              <a:t>propoe</a:t>
-            </a:r>
-            <a:endParaRPr lang="pt-BR" sz="2000" b="1" dirty="0" smtClean="0"/>
+              <a:t>Primeiro implementamos o teste, copiar código das notas 05.</a:t>
+            </a:r>
+            <a:endParaRPr lang="pt-BR" sz="2000" b="1" dirty="0"/>
           </a:p>
         </p:txBody>
       </p:sp>
     </p:spTree>
     <p:extLst>
       <p:ext uri="{BB962C8B-B14F-4D97-AF65-F5344CB8AC3E}">
-        <p14:creationId xmlns:p14="http://schemas.microsoft.com/office/powerpoint/2010/main" val="943369442"/>
+        <p14:creationId xmlns:p14="http://schemas.microsoft.com/office/powerpoint/2010/main" val="3873467616"/>
       </p:ext>
     </p:extLst>
   </p:cSld>
@@ -10800,30 +10771,46 @@
           <a:p>
             <a:r>
               <a:rPr lang="pt-BR" sz="2000" b="1" dirty="0" smtClean="0"/>
-              <a:t>Testes aprovados, mas podemos melhorar o código.</a:t>
-            </a:r>
-          </a:p>
-          <a:p>
-            <a:pPr lvl="1"/>
-            <a:r>
-              <a:rPr lang="pt-BR" sz="1800" b="1" dirty="0" smtClean="0"/>
-              <a:t>Extraindo a contagem do número de lances</a:t>
-            </a:r>
-          </a:p>
-          <a:p>
-            <a:pPr lvl="1"/>
-            <a:r>
-              <a:rPr lang="pt-BR" sz="1800" b="1" dirty="0" smtClean="0"/>
-              <a:t>Extrair todo o condicional</a:t>
-            </a:r>
-            <a:endParaRPr lang="pt-BR" sz="1800" b="1" dirty="0"/>
+              <a:t>Iremos </a:t>
+            </a:r>
+            <a:r>
+              <a:rPr lang="pt-BR" sz="2000" b="1" dirty="0" err="1" smtClean="0"/>
+              <a:t>refatorar</a:t>
+            </a:r>
+            <a:r>
+              <a:rPr lang="pt-BR" sz="2000" b="1" dirty="0" smtClean="0"/>
+              <a:t> nosso método propõe para uma melhor compreensão do mesmo</a:t>
+            </a:r>
+          </a:p>
+          <a:p>
+            <a:r>
+              <a:rPr lang="pt-BR" sz="2000" b="1" dirty="0" smtClean="0"/>
+              <a:t>Vamos implemente a funcionalidade de não permitir mais de 5 lances por usuário</a:t>
+            </a:r>
+          </a:p>
+          <a:p>
+            <a:r>
+              <a:rPr lang="pt-BR" sz="2000" b="1" dirty="0" smtClean="0"/>
+              <a:t>Primeiro implementamos o teste, copiar código das notas 05</a:t>
+            </a:r>
+          </a:p>
+          <a:p>
+            <a:r>
+              <a:rPr lang="pt-BR" sz="2000" b="1" dirty="0" smtClean="0"/>
+              <a:t>Novamente o teste falha, vamos modificar nossa função </a:t>
+            </a:r>
+            <a:r>
+              <a:rPr lang="pt-BR" sz="2000" b="1" dirty="0" err="1" smtClean="0"/>
+              <a:t>propoe</a:t>
+            </a:r>
+            <a:endParaRPr lang="pt-BR" sz="2000" b="1" dirty="0" smtClean="0"/>
           </a:p>
         </p:txBody>
       </p:sp>
     </p:spTree>
     <p:extLst>
       <p:ext uri="{BB962C8B-B14F-4D97-AF65-F5344CB8AC3E}">
-        <p14:creationId xmlns:p14="http://schemas.microsoft.com/office/powerpoint/2010/main" val="2102501731"/>
+        <p14:creationId xmlns:p14="http://schemas.microsoft.com/office/powerpoint/2010/main" val="943369442"/>
       </p:ext>
     </p:extLst>
   </p:cSld>
@@ -10873,8 +10860,8 @@
           <a:lstStyle/>
           <a:p>
             <a:r>
-              <a:rPr lang="pt-BR" b="1" dirty="0" err="1" smtClean="0"/>
-              <a:t>JUnit</a:t>
+              <a:rPr lang="pt-BR" b="1" dirty="0" smtClean="0"/>
+              <a:t>Prática</a:t>
             </a:r>
             <a:endParaRPr lang="pt-BR" b="1" dirty="0"/>
           </a:p>
@@ -10899,86 +10886,30 @@
           <a:p>
             <a:r>
               <a:rPr lang="pt-BR" sz="2000" b="1" dirty="0" smtClean="0"/>
-              <a:t>@</a:t>
-            </a:r>
-            <a:r>
-              <a:rPr lang="pt-BR" sz="2000" b="1" dirty="0" err="1" smtClean="0"/>
-              <a:t>Before</a:t>
-            </a:r>
-            <a:endParaRPr lang="pt-BR" sz="2000" b="1" dirty="0" smtClean="0"/>
-          </a:p>
-          <a:p>
-            <a:r>
-              <a:rPr lang="pt-BR" sz="2000" b="1" dirty="0" smtClean="0"/>
-              <a:t>@</a:t>
-            </a:r>
-            <a:r>
-              <a:rPr lang="pt-BR" sz="2000" b="1" dirty="0" err="1" smtClean="0"/>
-              <a:t>After</a:t>
-            </a:r>
-            <a:endParaRPr lang="pt-BR" sz="2000" b="1" dirty="0" smtClean="0"/>
-          </a:p>
-          <a:p>
-            <a:r>
-              <a:rPr lang="pt-BR" sz="2000" b="1" dirty="0" smtClean="0"/>
-              <a:t>@</a:t>
-            </a:r>
-            <a:r>
-              <a:rPr lang="pt-BR" sz="2000" b="1" dirty="0" err="1" smtClean="0"/>
-              <a:t>BeforeClass</a:t>
-            </a:r>
-            <a:endParaRPr lang="pt-BR" sz="2000" b="1" dirty="0" smtClean="0"/>
-          </a:p>
-          <a:p>
-            <a:r>
-              <a:rPr lang="pt-BR" sz="2000" b="1" dirty="0" smtClean="0"/>
-              <a:t>@</a:t>
-            </a:r>
-            <a:r>
-              <a:rPr lang="pt-BR" sz="2000" b="1" dirty="0" err="1" smtClean="0"/>
-              <a:t>AfterClass</a:t>
-            </a:r>
-            <a:endParaRPr lang="pt-BR" sz="2000" b="1" dirty="0" smtClean="0"/>
-          </a:p>
-          <a:p>
-            <a:r>
-              <a:rPr lang="pt-BR" sz="2000" b="1" dirty="0" smtClean="0"/>
-              <a:t>Podemos usar exceções para verificação nos testes</a:t>
-            </a:r>
-          </a:p>
-          <a:p>
-            <a:endParaRPr lang="pt-BR" sz="2000" b="1" dirty="0"/>
-          </a:p>
-          <a:p>
-            <a:r>
-              <a:rPr lang="pt-BR" sz="2400" b="1" dirty="0" err="1"/>
-              <a:t>Mock</a:t>
-            </a:r>
-            <a:r>
-              <a:rPr lang="pt-BR" sz="2400" b="1" dirty="0"/>
-              <a:t> </a:t>
-            </a:r>
-            <a:r>
-              <a:rPr lang="pt-BR" sz="2400" b="1" dirty="0" err="1"/>
-              <a:t>Objects</a:t>
-            </a:r>
-            <a:endParaRPr lang="pt-BR" sz="2400" b="1" dirty="0"/>
-          </a:p>
-          <a:p>
-            <a:r>
-              <a:rPr lang="pt-BR" sz="2000" b="1" dirty="0"/>
-              <a:t>Classes que simulam o comportamento de outras</a:t>
-            </a:r>
-          </a:p>
-          <a:p>
-            <a:endParaRPr lang="pt-BR" sz="2000" b="1" dirty="0"/>
+              <a:t>Testes aprovados, mas podemos melhorar o código.</a:t>
+            </a:r>
+          </a:p>
+          <a:p>
+            <a:pPr lvl="1"/>
+            <a:r>
+              <a:rPr lang="pt-BR" sz="1800" b="1" dirty="0" smtClean="0"/>
+              <a:t>Extraindo a contagem do número de lances</a:t>
+            </a:r>
+          </a:p>
+          <a:p>
+            <a:pPr lvl="1"/>
+            <a:r>
+              <a:rPr lang="pt-BR" sz="1800" b="1" dirty="0" smtClean="0"/>
+              <a:t>Extrair todo o condicional</a:t>
+            </a:r>
+            <a:endParaRPr lang="pt-BR" sz="1800" b="1" dirty="0"/>
           </a:p>
         </p:txBody>
       </p:sp>
     </p:spTree>
     <p:extLst>
       <p:ext uri="{BB962C8B-B14F-4D97-AF65-F5344CB8AC3E}">
-        <p14:creationId xmlns:p14="http://schemas.microsoft.com/office/powerpoint/2010/main" val="1121429993"/>
+        <p14:creationId xmlns:p14="http://schemas.microsoft.com/office/powerpoint/2010/main" val="2102501731"/>
       </p:ext>
     </p:extLst>
   </p:cSld>
@@ -11028,8 +10959,8 @@
           <a:lstStyle/>
           <a:p>
             <a:r>
-              <a:rPr lang="pt-BR" b="1" dirty="0" smtClean="0"/>
-              <a:t>Vantagens</a:t>
+              <a:rPr lang="pt-BR" b="1" dirty="0" err="1" smtClean="0"/>
+              <a:t>JUnit</a:t>
             </a:r>
             <a:endParaRPr lang="pt-BR" b="1" dirty="0"/>
           </a:p>
@@ -11053,84 +10984,77 @@
           <a:lstStyle/>
           <a:p>
             <a:r>
+              <a:rPr lang="pt-BR" sz="2000" b="1" dirty="0" smtClean="0"/>
+              <a:t>@</a:t>
+            </a:r>
+            <a:r>
+              <a:rPr lang="pt-BR" sz="2000" b="1" dirty="0" err="1" smtClean="0"/>
+              <a:t>Before</a:t>
+            </a:r>
+            <a:endParaRPr lang="pt-BR" sz="2000" b="1" dirty="0" smtClean="0"/>
+          </a:p>
+          <a:p>
+            <a:r>
+              <a:rPr lang="pt-BR" sz="2000" b="1" dirty="0" smtClean="0"/>
+              <a:t>@</a:t>
+            </a:r>
+            <a:r>
+              <a:rPr lang="pt-BR" sz="2000" b="1" dirty="0" err="1" smtClean="0"/>
+              <a:t>After</a:t>
+            </a:r>
+            <a:endParaRPr lang="pt-BR" sz="2000" b="1" dirty="0" smtClean="0"/>
+          </a:p>
+          <a:p>
+            <a:r>
+              <a:rPr lang="pt-BR" sz="2000" b="1" dirty="0" smtClean="0"/>
+              <a:t>@</a:t>
+            </a:r>
+            <a:r>
+              <a:rPr lang="pt-BR" sz="2000" b="1" dirty="0" err="1" smtClean="0"/>
+              <a:t>BeforeClass</a:t>
+            </a:r>
+            <a:endParaRPr lang="pt-BR" sz="2000" b="1" dirty="0" smtClean="0"/>
+          </a:p>
+          <a:p>
+            <a:r>
+              <a:rPr lang="pt-BR" sz="2000" b="1" dirty="0" smtClean="0"/>
+              <a:t>@</a:t>
+            </a:r>
+            <a:r>
+              <a:rPr lang="pt-BR" sz="2000" b="1" dirty="0" err="1" smtClean="0"/>
+              <a:t>AfterClass</a:t>
+            </a:r>
+            <a:endParaRPr lang="pt-BR" sz="2000" b="1" dirty="0" smtClean="0"/>
+          </a:p>
+          <a:p>
+            <a:r>
+              <a:rPr lang="pt-BR" sz="2000" b="1" dirty="0" smtClean="0"/>
+              <a:t>Podemos usar exceções para verificação nos testes</a:t>
+            </a:r>
+          </a:p>
+          <a:p>
+            <a:endParaRPr lang="pt-BR" sz="2000" b="1" dirty="0"/>
+          </a:p>
+          <a:p>
+            <a:r>
+              <a:rPr lang="pt-BR" sz="2400" b="1" dirty="0" err="1"/>
+              <a:t>Mock</a:t>
+            </a:r>
+            <a:r>
+              <a:rPr lang="pt-BR" sz="2400" b="1" dirty="0"/>
+              <a:t> </a:t>
+            </a:r>
+            <a:r>
+              <a:rPr lang="pt-BR" sz="2400" b="1" dirty="0" err="1"/>
+              <a:t>Objects</a:t>
+            </a:r>
+            <a:endParaRPr lang="pt-BR" sz="2400" b="1" dirty="0"/>
+          </a:p>
+          <a:p>
+            <a:r>
               <a:rPr lang="pt-BR" sz="2000" b="1" dirty="0"/>
-              <a:t>Cobertura de </a:t>
-            </a:r>
-            <a:r>
-              <a:rPr lang="pt-BR" sz="2000" b="1" dirty="0" smtClean="0"/>
-              <a:t>código</a:t>
-            </a:r>
-          </a:p>
-          <a:p>
-            <a:pPr lvl="1"/>
-            <a:r>
-              <a:rPr lang="pt-BR" sz="1800" b="1" dirty="0" smtClean="0"/>
-              <a:t>ao </a:t>
-            </a:r>
-            <a:r>
-              <a:rPr lang="pt-BR" sz="1800" b="1" dirty="0"/>
-              <a:t>menos um teste </a:t>
-            </a:r>
-            <a:r>
-              <a:rPr lang="pt-BR" sz="1800" b="1" dirty="0" smtClean="0"/>
-              <a:t>associado;</a:t>
-            </a:r>
-            <a:endParaRPr lang="pt-BR" sz="1800" b="1" dirty="0"/>
-          </a:p>
-          <a:p>
-            <a:r>
-              <a:rPr lang="pt-BR" sz="2000" b="1" dirty="0" smtClean="0"/>
-              <a:t>Teste de regressão</a:t>
-            </a:r>
-          </a:p>
-          <a:p>
-            <a:pPr lvl="1"/>
-            <a:r>
-              <a:rPr lang="pt-BR" sz="1800" b="1" dirty="0"/>
-              <a:t> </a:t>
-            </a:r>
-            <a:r>
-              <a:rPr lang="pt-BR" sz="1800" b="1" dirty="0" smtClean="0"/>
-              <a:t>testes são desenvolvidos </a:t>
-            </a:r>
-            <a:r>
-              <a:rPr lang="pt-BR" sz="1800" b="1" dirty="0"/>
-              <a:t>de forma </a:t>
-            </a:r>
-            <a:r>
-              <a:rPr lang="pt-BR" sz="1800" b="1" dirty="0" smtClean="0"/>
-              <a:t>incremental;</a:t>
-            </a:r>
-          </a:p>
-          <a:p>
-            <a:r>
-              <a:rPr lang="pt-BR" sz="2000" b="1" dirty="0" smtClean="0"/>
-              <a:t>Depuração simplificada</a:t>
-            </a:r>
-          </a:p>
-          <a:p>
-            <a:r>
-              <a:rPr lang="pt-BR" sz="2000" b="1" dirty="0"/>
-              <a:t>Documentação de </a:t>
-            </a:r>
-            <a:r>
-              <a:rPr lang="pt-BR" sz="2000" b="1" dirty="0" smtClean="0"/>
-              <a:t>sistema</a:t>
-            </a:r>
-          </a:p>
-          <a:p>
-            <a:pPr lvl="1"/>
-            <a:r>
-              <a:rPr lang="pt-BR" sz="1800" b="1" dirty="0"/>
-              <a:t>Ler os testes pode tornar mais fácil a compreensão do </a:t>
-            </a:r>
-            <a:r>
-              <a:rPr lang="pt-BR" sz="1800" b="1" dirty="0" smtClean="0"/>
-              <a:t>código;</a:t>
-            </a:r>
-          </a:p>
-          <a:p>
-            <a:endParaRPr lang="pt-BR" sz="2000" b="1" dirty="0"/>
+              <a:t>Classes que simulam o comportamento de outras</a:t>
+            </a:r>
           </a:p>
           <a:p>
             <a:endParaRPr lang="pt-BR" sz="2000" b="1" dirty="0"/>
@@ -11140,7 +11064,7 @@
     </p:spTree>
     <p:extLst>
       <p:ext uri="{BB962C8B-B14F-4D97-AF65-F5344CB8AC3E}">
-        <p14:creationId xmlns:p14="http://schemas.microsoft.com/office/powerpoint/2010/main" val="815627409"/>
+        <p14:creationId xmlns:p14="http://schemas.microsoft.com/office/powerpoint/2010/main" val="1121429993"/>
       </p:ext>
     </p:extLst>
   </p:cSld>
@@ -11190,10 +11114,10 @@
           <a:lstStyle/>
           <a:p>
             <a:r>
-              <a:rPr lang="pt-BR" dirty="0" smtClean="0"/>
-              <a:t>GitHub</a:t>
-            </a:r>
-            <a:endParaRPr lang="pt-BR" dirty="0"/>
+              <a:rPr lang="pt-BR" b="1" dirty="0" smtClean="0"/>
+              <a:t>QUESTIONÁRIO </a:t>
+            </a:r>
+            <a:endParaRPr lang="pt-BR" b="1" dirty="0"/>
           </a:p>
         </p:txBody>
       </p:sp>
@@ -11207,19 +11131,42 @@
             <p:ph idx="1"/>
           </p:nvPr>
         </p:nvSpPr>
-        <p:spPr/>
-        <p:txBody>
-          <a:bodyPr/>
-          <a:lstStyle/>
-          <a:p>
-            <a:endParaRPr lang="pt-BR" dirty="0"/>
+        <p:spPr>
+          <a:xfrm>
+            <a:off x="2589212" y="2133600"/>
+            <a:ext cx="8915400" cy="4724400"/>
+          </a:xfrm>
+        </p:spPr>
+        <p:txBody>
+          <a:bodyPr>
+            <a:normAutofit/>
+          </a:bodyPr>
+          <a:lstStyle/>
+          <a:p>
+            <a:r>
+              <a:rPr lang="pt-BR" sz="2000" b="1" dirty="0">
+                <a:hlinkClick r:id="rId2"/>
+              </a:rPr>
+              <a:t>https://</a:t>
+            </a:r>
+            <a:r>
+              <a:rPr lang="pt-BR" sz="2000" b="1" dirty="0" smtClean="0">
+                <a:hlinkClick r:id="rId2"/>
+              </a:rPr>
+              <a:t>docs.google.com/forms/d/e/1FAIpQLSeL1AqN07EbtfeQXSRnioVjXTUjo1qDFl0PtwLgmpNr8zfykQ/viewform</a:t>
+            </a:r>
+            <a:r>
+              <a:rPr lang="pt-BR" sz="2000" b="1" dirty="0" smtClean="0"/>
+              <a:t> </a:t>
+            </a:r>
+            <a:endParaRPr lang="pt-BR" sz="2000" b="1" dirty="0"/>
           </a:p>
         </p:txBody>
       </p:sp>
     </p:spTree>
     <p:extLst>
       <p:ext uri="{BB962C8B-B14F-4D97-AF65-F5344CB8AC3E}">
-        <p14:creationId xmlns:p14="http://schemas.microsoft.com/office/powerpoint/2010/main" val="2755455445"/>
+        <p14:creationId xmlns:p14="http://schemas.microsoft.com/office/powerpoint/2010/main" val="4156136386"/>
       </p:ext>
     </p:extLst>
   </p:cSld>
@@ -11263,7 +11210,7 @@
           <a:p>
             <a:r>
               <a:rPr lang="pt-BR" b="1" dirty="0" smtClean="0"/>
-              <a:t>Quando usar ou não TDD</a:t>
+              <a:t>Vantagens</a:t>
             </a:r>
             <a:endParaRPr lang="pt-BR" b="1" dirty="0"/>
           </a:p>
@@ -11288,60 +11235,85 @@
           <a:p>
             <a:r>
               <a:rPr lang="pt-BR" sz="2000" b="1" dirty="0"/>
-              <a:t>Em momentos onde o desenvolvedor não sabe bem como resolver o </a:t>
-            </a:r>
-            <a:r>
-              <a:rPr lang="pt-BR" sz="2000" b="1" dirty="0" smtClean="0"/>
-              <a:t>problema, o TDD pode </a:t>
-            </a:r>
+              <a:t>Cobertura de </a:t>
+            </a:r>
+            <a:r>
+              <a:rPr lang="pt-BR" sz="2000" b="1" dirty="0" smtClean="0"/>
+              <a:t>código</a:t>
+            </a:r>
+          </a:p>
+          <a:p>
+            <a:pPr lvl="1"/>
+            <a:r>
+              <a:rPr lang="pt-BR" sz="1800" b="1" dirty="0" smtClean="0"/>
+              <a:t>ao </a:t>
+            </a:r>
+            <a:r>
+              <a:rPr lang="pt-BR" sz="1800" b="1" dirty="0"/>
+              <a:t>menos um teste </a:t>
+            </a:r>
+            <a:r>
+              <a:rPr lang="pt-BR" sz="1800" b="1" dirty="0" smtClean="0"/>
+              <a:t>associado;</a:t>
+            </a:r>
+            <a:endParaRPr lang="pt-BR" sz="1800" b="1" dirty="0"/>
+          </a:p>
+          <a:p>
+            <a:r>
+              <a:rPr lang="pt-BR" sz="2000" b="1" dirty="0" smtClean="0"/>
+              <a:t>Teste de regressão</a:t>
+            </a:r>
+          </a:p>
+          <a:p>
+            <a:pPr lvl="1"/>
+            <a:r>
+              <a:rPr lang="pt-BR" sz="1800" b="1" dirty="0"/>
+              <a:t> </a:t>
+            </a:r>
+            <a:r>
+              <a:rPr lang="pt-BR" sz="1800" b="1" dirty="0" smtClean="0"/>
+              <a:t>testes são desenvolvidos </a:t>
+            </a:r>
+            <a:r>
+              <a:rPr lang="pt-BR" sz="1800" b="1" dirty="0"/>
+              <a:t>de forma </a:t>
+            </a:r>
+            <a:r>
+              <a:rPr lang="pt-BR" sz="1800" b="1" dirty="0" smtClean="0"/>
+              <a:t>incremental;</a:t>
+            </a:r>
+          </a:p>
+          <a:p>
+            <a:r>
+              <a:rPr lang="pt-BR" sz="2000" b="1" dirty="0" smtClean="0"/>
+              <a:t>Depuração simplificada</a:t>
+            </a:r>
+          </a:p>
+          <a:p>
             <a:r>
               <a:rPr lang="pt-BR" sz="2000" b="1" dirty="0"/>
-              <a:t>ser de grande valia devido ao seu constante </a:t>
-            </a:r>
-            <a:r>
-              <a:rPr lang="pt-BR" sz="2000" b="1" dirty="0" smtClean="0"/>
-              <a:t>feedback sobre a qualidade do código.</a:t>
-            </a:r>
-          </a:p>
-          <a:p>
-            <a:r>
-              <a:rPr lang="pt-BR" sz="2000" b="1" dirty="0" smtClean="0"/>
-              <a:t>Em </a:t>
-            </a:r>
-            <a:r>
-              <a:rPr lang="pt-BR" sz="2000" b="1" dirty="0"/>
-              <a:t>momentos onde o desenvolvedor já sabe como resolver o </a:t>
-            </a:r>
-            <a:r>
-              <a:rPr lang="pt-BR" sz="2000" b="1" dirty="0" smtClean="0"/>
-              <a:t>problema, tanto </a:t>
-            </a:r>
-            <a:r>
-              <a:rPr lang="pt-BR" sz="2000" b="1" dirty="0"/>
-              <a:t>do ponto de implementação, quanto do ponto de vista de design, não utilizar TDD pode não ser um problema tão grande assim</a:t>
-            </a:r>
-            <a:r>
-              <a:rPr lang="pt-BR" sz="2000" b="1" dirty="0" smtClean="0"/>
-              <a:t>.</a:t>
-            </a:r>
-          </a:p>
-          <a:p>
-            <a:r>
-              <a:rPr lang="pt-BR" sz="2000" b="1" dirty="0"/>
-              <a:t>Durante a implementação de um </a:t>
-            </a:r>
-            <a:r>
-              <a:rPr lang="pt-BR" sz="2000" b="1" dirty="0" smtClean="0"/>
-              <a:t>DAO</a:t>
-            </a:r>
-            <a:r>
-              <a:rPr lang="pt-BR" sz="2000" b="1" dirty="0"/>
-              <a:t>, não há grande </a:t>
-            </a:r>
-            <a:r>
-              <a:rPr lang="pt-BR" sz="2000" b="1" dirty="0" smtClean="0"/>
-              <a:t>necessidade.</a:t>
-            </a:r>
+              <a:t>Documentação de </a:t>
+            </a:r>
+            <a:r>
+              <a:rPr lang="pt-BR" sz="2000" b="1" dirty="0" smtClean="0"/>
+              <a:t>sistema</a:t>
+            </a:r>
+          </a:p>
+          <a:p>
+            <a:pPr lvl="1"/>
+            <a:r>
+              <a:rPr lang="pt-BR" sz="1800" b="1" dirty="0"/>
+              <a:t>Ler os testes pode tornar mais fácil a compreensão do </a:t>
+            </a:r>
+            <a:r>
+              <a:rPr lang="pt-BR" sz="1800" b="1" dirty="0" smtClean="0"/>
+              <a:t>código;</a:t>
+            </a:r>
+          </a:p>
+          <a:p>
+            <a:endParaRPr lang="pt-BR" sz="2000" b="1" dirty="0"/>
+          </a:p>
+          <a:p>
             <a:endParaRPr lang="pt-BR" sz="2000" b="1" dirty="0"/>
           </a:p>
         </p:txBody>
@@ -11349,7 +11321,7 @@
     </p:spTree>
     <p:extLst>
       <p:ext uri="{BB962C8B-B14F-4D97-AF65-F5344CB8AC3E}">
-        <p14:creationId xmlns:p14="http://schemas.microsoft.com/office/powerpoint/2010/main" val="1742001859"/>
+        <p14:creationId xmlns:p14="http://schemas.microsoft.com/office/powerpoint/2010/main" val="815627409"/>
       </p:ext>
     </p:extLst>
   </p:cSld>
@@ -11399,6 +11371,143 @@
           <a:lstStyle/>
           <a:p>
             <a:r>
+              <a:rPr lang="pt-BR" b="1" dirty="0" smtClean="0"/>
+              <a:t>Quando usar ou não TDD</a:t>
+            </a:r>
+            <a:endParaRPr lang="pt-BR" b="1" dirty="0"/>
+          </a:p>
+        </p:txBody>
+      </p:sp>
+      <p:sp>
+        <p:nvSpPr>
+          <p:cNvPr id="3" name="Espaço Reservado para Conteúdo 2"/>
+          <p:cNvSpPr>
+            <a:spLocks noGrp="1"/>
+          </p:cNvSpPr>
+          <p:nvPr>
+            <p:ph idx="1"/>
+          </p:nvPr>
+        </p:nvSpPr>
+        <p:spPr/>
+        <p:txBody>
+          <a:bodyPr>
+            <a:normAutofit/>
+          </a:bodyPr>
+          <a:lstStyle/>
+          <a:p>
+            <a:r>
+              <a:rPr lang="pt-BR" sz="2000" b="1" dirty="0"/>
+              <a:t>Em momentos onde o desenvolvedor não sabe bem como resolver o </a:t>
+            </a:r>
+            <a:r>
+              <a:rPr lang="pt-BR" sz="2000" b="1" dirty="0" smtClean="0"/>
+              <a:t>problema, o TDD pode </a:t>
+            </a:r>
+            <a:r>
+              <a:rPr lang="pt-BR" sz="2000" b="1" dirty="0"/>
+              <a:t>ser de grande valia devido ao seu constante </a:t>
+            </a:r>
+            <a:r>
+              <a:rPr lang="pt-BR" sz="2000" b="1" dirty="0" smtClean="0"/>
+              <a:t>feedback sobre a qualidade do código.</a:t>
+            </a:r>
+          </a:p>
+          <a:p>
+            <a:r>
+              <a:rPr lang="pt-BR" sz="2000" b="1" dirty="0" smtClean="0"/>
+              <a:t>Em </a:t>
+            </a:r>
+            <a:r>
+              <a:rPr lang="pt-BR" sz="2000" b="1" dirty="0"/>
+              <a:t>momentos onde o desenvolvedor já sabe como resolver o </a:t>
+            </a:r>
+            <a:r>
+              <a:rPr lang="pt-BR" sz="2000" b="1" dirty="0" smtClean="0"/>
+              <a:t>problema, tanto </a:t>
+            </a:r>
+            <a:r>
+              <a:rPr lang="pt-BR" sz="2000" b="1" dirty="0"/>
+              <a:t>do ponto de implementação, quanto do ponto de vista de design, não utilizar TDD pode não ser um problema tão grande assim</a:t>
+            </a:r>
+            <a:r>
+              <a:rPr lang="pt-BR" sz="2000" b="1" dirty="0" smtClean="0"/>
+              <a:t>.</a:t>
+            </a:r>
+          </a:p>
+          <a:p>
+            <a:r>
+              <a:rPr lang="pt-BR" sz="2000" b="1" dirty="0"/>
+              <a:t>Durante a implementação de um </a:t>
+            </a:r>
+            <a:r>
+              <a:rPr lang="pt-BR" sz="2000" b="1" dirty="0" smtClean="0"/>
+              <a:t>DAO</a:t>
+            </a:r>
+            <a:r>
+              <a:rPr lang="pt-BR" sz="2000" b="1" dirty="0"/>
+              <a:t>, não há grande </a:t>
+            </a:r>
+            <a:r>
+              <a:rPr lang="pt-BR" sz="2000" b="1" dirty="0" smtClean="0"/>
+              <a:t>necessidade.</a:t>
+            </a:r>
+            <a:endParaRPr lang="pt-BR" sz="2000" b="1" dirty="0"/>
+          </a:p>
+        </p:txBody>
+      </p:sp>
+    </p:spTree>
+    <p:extLst>
+      <p:ext uri="{BB962C8B-B14F-4D97-AF65-F5344CB8AC3E}">
+        <p14:creationId xmlns:p14="http://schemas.microsoft.com/office/powerpoint/2010/main" val="1742001859"/>
+      </p:ext>
+    </p:extLst>
+  </p:cSld>
+  <p:clrMapOvr>
+    <a:masterClrMapping/>
+  </p:clrMapOvr>
+  <p:timing>
+    <p:tnLst>
+      <p:par>
+        <p:cTn id="1" dur="indefinite" restart="never" nodeType="tmRoot"/>
+      </p:par>
+    </p:tnLst>
+  </p:timing>
+</p:sld>
+</file>
+
+<file path=ppt/slides/slide32.xml><?xml version="1.0" encoding="utf-8"?>
+<p:sld xmlns:a="http://schemas.openxmlformats.org/drawingml/2006/main" xmlns:r="http://schemas.openxmlformats.org/officeDocument/2006/relationships" xmlns:p="http://schemas.openxmlformats.org/presentationml/2006/main">
+  <p:cSld>
+    <p:spTree>
+      <p:nvGrpSpPr>
+        <p:cNvPr id="1" name=""/>
+        <p:cNvGrpSpPr/>
+        <p:nvPr/>
+      </p:nvGrpSpPr>
+      <p:grpSpPr>
+        <a:xfrm>
+          <a:off x="0" y="0"/>
+          <a:ext cx="0" cy="0"/>
+          <a:chOff x="0" y="0"/>
+          <a:chExt cx="0" cy="0"/>
+        </a:xfrm>
+      </p:grpSpPr>
+      <p:sp>
+        <p:nvSpPr>
+          <p:cNvPr id="2" name="Título 1"/>
+          <p:cNvSpPr>
+            <a:spLocks noGrp="1"/>
+          </p:cNvSpPr>
+          <p:nvPr>
+            <p:ph type="title"/>
+          </p:nvPr>
+        </p:nvSpPr>
+        <p:spPr/>
+        <p:txBody>
+          <a:bodyPr/>
+          <a:lstStyle/>
+          <a:p>
+            <a:r>
               <a:rPr lang="pt-BR" dirty="0" smtClean="0"/>
               <a:t>Guia</a:t>
             </a:r>
@@ -11535,19 +11644,63 @@
           <a:p>
             <a:r>
               <a:rPr lang="pt-BR" sz="2000" b="1" dirty="0" smtClean="0"/>
-              <a:t>Abrir </a:t>
-            </a:r>
-            <a:r>
-              <a:rPr lang="pt-BR" sz="2000" b="1" dirty="0" smtClean="0"/>
-              <a:t>o projeto no </a:t>
+              <a:t>Sistema simples para gerir leilões;</a:t>
+            </a:r>
+          </a:p>
+          <a:p>
+            <a:r>
+              <a:rPr lang="pt-BR" sz="2000" b="1" dirty="0" smtClean="0"/>
+              <a:t>Classe </a:t>
             </a:r>
             <a:r>
               <a:rPr lang="pt-BR" sz="2000" b="1" dirty="0" err="1" smtClean="0"/>
-              <a:t>Netbeans</a:t>
-            </a:r>
-            <a:r>
-              <a:rPr lang="pt-BR" sz="2000" b="1" dirty="0" smtClean="0"/>
-              <a:t> </a:t>
+              <a:t>Usuario</a:t>
+            </a:r>
+            <a:endParaRPr lang="pt-BR" sz="2000" b="1" dirty="0" smtClean="0"/>
+          </a:p>
+          <a:p>
+            <a:pPr lvl="1"/>
+            <a:r>
+              <a:rPr lang="pt-BR" sz="1800" b="1" dirty="0" smtClean="0"/>
+              <a:t>Id</a:t>
+            </a:r>
+          </a:p>
+          <a:p>
+            <a:pPr lvl="1"/>
+            <a:r>
+              <a:rPr lang="pt-BR" sz="1800" b="1" dirty="0"/>
+              <a:t>n</a:t>
+            </a:r>
+            <a:r>
+              <a:rPr lang="pt-BR" sz="1800" b="1" dirty="0" smtClean="0"/>
+              <a:t>ome</a:t>
+            </a:r>
+          </a:p>
+          <a:p>
+            <a:r>
+              <a:rPr lang="pt-BR" sz="2000" b="1" dirty="0" smtClean="0"/>
+              <a:t>Classe Lance</a:t>
+            </a:r>
+          </a:p>
+          <a:p>
+            <a:pPr lvl="1"/>
+            <a:r>
+              <a:rPr lang="pt-BR" sz="1800" b="1" dirty="0" err="1" smtClean="0"/>
+              <a:t>usuario</a:t>
+            </a:r>
+            <a:endParaRPr lang="pt-BR" sz="1800" b="1" dirty="0" smtClean="0"/>
+          </a:p>
+          <a:p>
+            <a:pPr lvl="1"/>
+            <a:r>
+              <a:rPr lang="pt-BR" sz="1800" b="1" dirty="0" smtClean="0"/>
+              <a:t>valor</a:t>
+            </a:r>
+          </a:p>
+          <a:p>
+            <a:r>
+              <a:rPr lang="pt-BR" sz="2000" b="1" dirty="0"/>
+              <a:t>Classe </a:t>
             </a:r>
             <a:r>
               <a:rPr lang="pt-BR" sz="2000" b="1" dirty="0" err="1" smtClean="0"/>
@@ -11556,86 +11709,21 @@
             <a:endParaRPr lang="pt-BR" sz="2000" b="1" dirty="0" smtClean="0"/>
           </a:p>
           <a:p>
-            <a:r>
-              <a:rPr lang="pt-BR" sz="2000" b="1" dirty="0" smtClean="0"/>
-              <a:t>Criar Classe Avaliador e também </a:t>
-            </a:r>
-            <a:r>
-              <a:rPr lang="pt-BR" sz="2000" b="1" dirty="0" err="1" smtClean="0"/>
-              <a:t>TesteDoAvaliador</a:t>
-            </a:r>
-            <a:endParaRPr lang="pt-BR" sz="2000" b="1" dirty="0" smtClean="0"/>
-          </a:p>
-          <a:p>
-            <a:r>
-              <a:rPr lang="pt-BR" sz="2000" b="1" dirty="0" smtClean="0"/>
-              <a:t>Copiar os códigos das notas 1</a:t>
-            </a:r>
-          </a:p>
-          <a:p>
-            <a:r>
-              <a:rPr lang="pt-BR" sz="2000" b="1" dirty="0" smtClean="0"/>
-              <a:t>Implementar </a:t>
-            </a:r>
-            <a:r>
-              <a:rPr lang="pt-BR" sz="2000" b="1" dirty="0"/>
-              <a:t>a busca pelo </a:t>
-            </a:r>
-            <a:r>
-              <a:rPr lang="pt-BR" sz="2000" b="1" dirty="0" smtClean="0"/>
-              <a:t>maior </a:t>
-            </a:r>
-            <a:r>
-              <a:rPr lang="pt-BR" sz="2000" b="1" dirty="0"/>
-              <a:t>lance de todos</a:t>
-            </a:r>
-            <a:endParaRPr lang="pt-BR" sz="2000" b="1" dirty="0" smtClean="0"/>
-          </a:p>
-          <a:p>
-            <a:r>
-              <a:rPr lang="pt-BR" sz="2000" b="1" dirty="0" smtClean="0"/>
-              <a:t>Agora iremos implementar a busca </a:t>
-            </a:r>
-            <a:r>
-              <a:rPr lang="pt-BR" sz="2000" b="1" dirty="0"/>
-              <a:t>pelo menor lance de </a:t>
-            </a:r>
-            <a:r>
-              <a:rPr lang="pt-BR" sz="2000" b="1" dirty="0" smtClean="0"/>
-              <a:t>todos</a:t>
-            </a:r>
-          </a:p>
-          <a:p>
-            <a:r>
-              <a:rPr lang="pt-BR" sz="2000" b="1" dirty="0" smtClean="0"/>
-              <a:t>Aparentemente tudo funciona</a:t>
-            </a:r>
-          </a:p>
-          <a:p>
-            <a:r>
-              <a:rPr lang="pt-BR" sz="2000" b="1" dirty="0" smtClean="0"/>
-              <a:t>Mude os valores dos lances para</a:t>
-            </a:r>
-          </a:p>
-          <a:p>
             <a:pPr lvl="1"/>
             <a:r>
               <a:rPr lang="pt-BR" sz="1800" b="1" dirty="0" smtClean="0"/>
-              <a:t>250</a:t>
+              <a:t>descrição</a:t>
             </a:r>
           </a:p>
           <a:p>
             <a:pPr lvl="1"/>
             <a:r>
+              <a:rPr lang="pt-BR" sz="1800" b="1" dirty="0"/>
+              <a:t>l</a:t>
+            </a:r>
+            <a:r>
               <a:rPr lang="pt-BR" sz="1800" b="1" dirty="0" smtClean="0"/>
-              <a:t>300</a:t>
-            </a:r>
-          </a:p>
-          <a:p>
-            <a:pPr lvl="1"/>
-            <a:r>
-              <a:rPr lang="pt-BR" sz="1800" b="1" dirty="0" smtClean="0"/>
-              <a:t>400</a:t>
+              <a:t>ista lances</a:t>
             </a:r>
           </a:p>
           <a:p>
@@ -11649,7 +11737,7 @@
     </p:spTree>
     <p:extLst>
       <p:ext uri="{BB962C8B-B14F-4D97-AF65-F5344CB8AC3E}">
-        <p14:creationId xmlns:p14="http://schemas.microsoft.com/office/powerpoint/2010/main" val="3018313858"/>
+        <p14:creationId xmlns:p14="http://schemas.microsoft.com/office/powerpoint/2010/main" val="2017027818"/>
       </p:ext>
     </p:extLst>
   </p:cSld>
@@ -11723,21 +11811,11 @@
           <a:p>
             <a:r>
               <a:rPr lang="pt-BR" sz="2000" b="1" dirty="0" smtClean="0"/>
-              <a:t>Vamos </a:t>
-            </a:r>
-            <a:r>
-              <a:rPr lang="pt-BR" sz="2000" b="1" dirty="0" smtClean="0"/>
-              <a:t>corrigir a função avalia na classe Avaliador</a:t>
-            </a:r>
-          </a:p>
-          <a:p>
-            <a:r>
-              <a:rPr lang="pt-BR" sz="2000" b="1" dirty="0" smtClean="0"/>
-              <a:t>Trocar o </a:t>
+              <a:t>Abrir o projeto no </a:t>
             </a:r>
             <a:r>
               <a:rPr lang="pt-BR" sz="2000" b="1" dirty="0" err="1" smtClean="0"/>
-              <a:t>else</a:t>
+              <a:t>Netbeans</a:t>
             </a:r>
             <a:r>
               <a:rPr lang="pt-BR" sz="2000" b="1" dirty="0" smtClean="0"/>
@@ -11745,26 +11823,97 @@
             </a:r>
             <a:r>
               <a:rPr lang="pt-BR" sz="2000" b="1" dirty="0" err="1" smtClean="0"/>
-              <a:t>if</a:t>
-            </a:r>
-            <a:r>
-              <a:rPr lang="pt-BR" sz="2000" b="1" dirty="0" smtClean="0"/>
-              <a:t> por </a:t>
+              <a:t>Leilao</a:t>
+            </a:r>
+            <a:endParaRPr lang="pt-BR" sz="2000" b="1" dirty="0" smtClean="0"/>
+          </a:p>
+          <a:p>
+            <a:r>
+              <a:rPr lang="pt-BR" sz="2000" b="1" dirty="0" smtClean="0"/>
+              <a:t>Criar Classe Avaliador e também </a:t>
             </a:r>
             <a:r>
               <a:rPr lang="pt-BR" sz="2000" b="1" dirty="0" err="1" smtClean="0"/>
-              <a:t>if</a:t>
+              <a:t>TesteDoAvaliador</a:t>
             </a:r>
             <a:endParaRPr lang="pt-BR" sz="2000" b="1" dirty="0" smtClean="0"/>
           </a:p>
           <a:p>
-            <a:endParaRPr lang="pt-BR" sz="2000" b="1" dirty="0"/>
-          </a:p>
-          <a:p>
-            <a:r>
-              <a:rPr lang="pt-BR" sz="2000" b="1" dirty="0" smtClean="0"/>
-              <a:t>Vamos testar novamente</a:t>
-            </a:r>
+            <a:r>
+              <a:rPr lang="pt-BR" sz="2000" b="1" dirty="0" smtClean="0"/>
+              <a:t>Copiar os códigos das notas 1</a:t>
+            </a:r>
+          </a:p>
+          <a:p>
+            <a:r>
+              <a:rPr lang="pt-BR" sz="2000" b="1" dirty="0" smtClean="0"/>
+              <a:t>Implementar </a:t>
+            </a:r>
+            <a:r>
+              <a:rPr lang="pt-BR" sz="2000" b="1" dirty="0"/>
+              <a:t>a busca pelo </a:t>
+            </a:r>
+            <a:r>
+              <a:rPr lang="pt-BR" sz="2000" b="1" dirty="0" smtClean="0"/>
+              <a:t>maior </a:t>
+            </a:r>
+            <a:r>
+              <a:rPr lang="pt-BR" sz="2000" b="1" dirty="0"/>
+              <a:t>lance de todos</a:t>
+            </a:r>
+            <a:endParaRPr lang="pt-BR" sz="2000" b="1" dirty="0" smtClean="0"/>
+          </a:p>
+          <a:p>
+            <a:r>
+              <a:rPr lang="pt-BR" sz="2000" b="1" dirty="0" smtClean="0"/>
+              <a:t>Agora iremos implementar a busca </a:t>
+            </a:r>
+            <a:r>
+              <a:rPr lang="pt-BR" sz="2000" b="1" dirty="0"/>
+              <a:t>pelo menor lance de </a:t>
+            </a:r>
+            <a:r>
+              <a:rPr lang="pt-BR" sz="2000" b="1" dirty="0" smtClean="0"/>
+              <a:t>todos</a:t>
+            </a:r>
+          </a:p>
+          <a:p>
+            <a:r>
+              <a:rPr lang="pt-BR" sz="2000" b="1" dirty="0" smtClean="0"/>
+              <a:t>Aparentemente tudo funciona</a:t>
+            </a:r>
+          </a:p>
+          <a:p>
+            <a:r>
+              <a:rPr lang="pt-BR" sz="2000" b="1" dirty="0" smtClean="0"/>
+              <a:t>Mude os valores dos lances para</a:t>
+            </a:r>
+          </a:p>
+          <a:p>
+            <a:pPr lvl="1"/>
+            <a:r>
+              <a:rPr lang="pt-BR" sz="1800" b="1" dirty="0" smtClean="0"/>
+              <a:t>250</a:t>
+            </a:r>
+          </a:p>
+          <a:p>
+            <a:pPr lvl="1"/>
+            <a:r>
+              <a:rPr lang="pt-BR" sz="1800" b="1" dirty="0" smtClean="0"/>
+              <a:t>300</a:t>
+            </a:r>
+          </a:p>
+          <a:p>
+            <a:pPr lvl="1"/>
+            <a:r>
+              <a:rPr lang="pt-BR" sz="1800" b="1" dirty="0" smtClean="0"/>
+              <a:t>400</a:t>
+            </a:r>
+          </a:p>
+          <a:p>
+            <a:endParaRPr lang="pt-BR" sz="2000" b="1" dirty="0" smtClean="0"/>
+          </a:p>
+          <a:p>
             <a:endParaRPr lang="pt-BR" sz="2000" b="1" dirty="0"/>
           </a:p>
         </p:txBody>
@@ -11772,7 +11921,7 @@
     </p:spTree>
     <p:extLst>
       <p:ext uri="{BB962C8B-B14F-4D97-AF65-F5344CB8AC3E}">
-        <p14:creationId xmlns:p14="http://schemas.microsoft.com/office/powerpoint/2010/main" val="1739042960"/>
+        <p14:creationId xmlns:p14="http://schemas.microsoft.com/office/powerpoint/2010/main" val="3018313858"/>
       </p:ext>
     </p:extLst>
   </p:cSld>
@@ -11846,19 +11995,44 @@
           <a:p>
             <a:r>
               <a:rPr lang="pt-BR" sz="2000" b="1" dirty="0" smtClean="0"/>
-              <a:t>No </a:t>
-            </a:r>
-            <a:r>
-              <a:rPr lang="pt-BR" sz="2000" b="1" dirty="0"/>
-              <a:t>mundo real, será que teríamos descoberto esse bug </a:t>
-            </a:r>
-            <a:r>
-              <a:rPr lang="pt-BR" sz="2000" b="1" dirty="0" smtClean="0"/>
-              <a:t>facilmente?</a:t>
-            </a:r>
+              <a:t>Vamos corrigir a função avalia na classe Avaliador</a:t>
+            </a:r>
+          </a:p>
+          <a:p>
+            <a:r>
+              <a:rPr lang="pt-BR" sz="2000" b="1" dirty="0" smtClean="0"/>
+              <a:t>Trocar o </a:t>
+            </a:r>
+            <a:r>
+              <a:rPr lang="pt-BR" sz="2000" b="1" dirty="0" err="1" smtClean="0"/>
+              <a:t>else</a:t>
+            </a:r>
+            <a:r>
+              <a:rPr lang="pt-BR" sz="2000" b="1" dirty="0" smtClean="0"/>
+              <a:t> </a:t>
+            </a:r>
+            <a:r>
+              <a:rPr lang="pt-BR" sz="2000" b="1" dirty="0" err="1" smtClean="0"/>
+              <a:t>if</a:t>
+            </a:r>
+            <a:r>
+              <a:rPr lang="pt-BR" sz="2000" b="1" dirty="0" smtClean="0"/>
+              <a:t> por </a:t>
+            </a:r>
+            <a:r>
+              <a:rPr lang="pt-BR" sz="2000" b="1" dirty="0" err="1" smtClean="0"/>
+              <a:t>if</a:t>
+            </a:r>
+            <a:endParaRPr lang="pt-BR" sz="2000" b="1" dirty="0" smtClean="0"/>
+          </a:p>
+          <a:p>
             <a:endParaRPr lang="pt-BR" sz="2000" b="1" dirty="0"/>
           </a:p>
           <a:p>
+            <a:r>
+              <a:rPr lang="pt-BR" sz="2000" b="1" dirty="0" smtClean="0"/>
+              <a:t>Vamos testar novamente</a:t>
+            </a:r>
             <a:endParaRPr lang="pt-BR" sz="2000" b="1" dirty="0"/>
           </a:p>
         </p:txBody>
@@ -11866,7 +12040,7 @@
     </p:spTree>
     <p:extLst>
       <p:ext uri="{BB962C8B-B14F-4D97-AF65-F5344CB8AC3E}">
-        <p14:creationId xmlns:p14="http://schemas.microsoft.com/office/powerpoint/2010/main" val="2267192008"/>
+        <p14:creationId xmlns:p14="http://schemas.microsoft.com/office/powerpoint/2010/main" val="1739042960"/>
       </p:ext>
     </p:extLst>
   </p:cSld>
@@ -11950,12 +12124,6 @@
               <a:rPr lang="pt-BR" sz="2000" b="1" dirty="0" smtClean="0"/>
               <a:t>facilmente?</a:t>
             </a:r>
-          </a:p>
-          <a:p>
-            <a:r>
-              <a:rPr lang="pt-BR" sz="2000" b="1" dirty="0" smtClean="0"/>
-              <a:t>Para evitar casos assim devemos investir em testes automatizados.</a:t>
-            </a:r>
             <a:endParaRPr lang="pt-BR" sz="2000" b="1" dirty="0"/>
           </a:p>
           <a:p>
@@ -11966,7 +12134,7 @@
     </p:spTree>
     <p:extLst>
       <p:ext uri="{BB962C8B-B14F-4D97-AF65-F5344CB8AC3E}">
-        <p14:creationId xmlns:p14="http://schemas.microsoft.com/office/powerpoint/2010/main" val="1537764962"/>
+        <p14:creationId xmlns:p14="http://schemas.microsoft.com/office/powerpoint/2010/main" val="2267192008"/>
       </p:ext>
     </p:extLst>
   </p:cSld>
@@ -12056,74 +12224,7 @@
               <a:rPr lang="pt-BR" sz="2000" b="1" dirty="0" smtClean="0"/>
               <a:t>Para evitar casos assim devemos investir em testes automatizados.</a:t>
             </a:r>
-          </a:p>
-          <a:p>
-            <a:r>
-              <a:rPr lang="pt-BR" sz="2000" b="1" dirty="0"/>
-              <a:t>Um teste </a:t>
-            </a:r>
-            <a:r>
-              <a:rPr lang="pt-BR" sz="2000" b="1" dirty="0" smtClean="0"/>
-              <a:t>automatizado </a:t>
-            </a:r>
-            <a:r>
-              <a:rPr lang="pt-BR" sz="2000" b="1" dirty="0"/>
-              <a:t>sempre </a:t>
-            </a:r>
-            <a:r>
-              <a:rPr lang="pt-BR" sz="2000" b="1" dirty="0" smtClean="0"/>
-              <a:t>executamos </a:t>
-            </a:r>
-            <a:r>
-              <a:rPr lang="pt-BR" sz="2000" b="1" dirty="0"/>
-              <a:t>estes três passos: </a:t>
-            </a:r>
-            <a:endParaRPr lang="pt-BR" sz="2000" b="1" dirty="0" smtClean="0"/>
-          </a:p>
-          <a:p>
-            <a:pPr lvl="1"/>
-            <a:r>
-              <a:rPr lang="pt-BR" sz="2000" b="1" dirty="0" smtClean="0"/>
-              <a:t>montar </a:t>
-            </a:r>
-            <a:r>
-              <a:rPr lang="pt-BR" sz="2000" b="1" dirty="0"/>
-              <a:t>o </a:t>
-            </a:r>
-            <a:r>
-              <a:rPr lang="pt-BR" sz="2000" b="1" dirty="0" smtClean="0"/>
-              <a:t>cenário</a:t>
-            </a:r>
-          </a:p>
-          <a:p>
-            <a:pPr lvl="1"/>
-            <a:r>
-              <a:rPr lang="pt-BR" sz="2000" b="1" dirty="0" smtClean="0"/>
-              <a:t>executar </a:t>
-            </a:r>
-            <a:r>
-              <a:rPr lang="pt-BR" sz="2000" b="1" dirty="0"/>
-              <a:t>a </a:t>
-            </a:r>
-            <a:r>
-              <a:rPr lang="pt-BR" sz="2000" b="1" dirty="0" smtClean="0"/>
-              <a:t>ação</a:t>
-            </a:r>
-          </a:p>
-          <a:p>
-            <a:pPr lvl="1"/>
-            <a:r>
-              <a:rPr lang="pt-BR" sz="2000" b="1" dirty="0" smtClean="0"/>
-              <a:t>validar </a:t>
-            </a:r>
-            <a:r>
-              <a:rPr lang="pt-BR" sz="2000" b="1" dirty="0"/>
-              <a:t>a </a:t>
-            </a:r>
-            <a:r>
-              <a:rPr lang="pt-BR" sz="2000" b="1" dirty="0" smtClean="0"/>
-              <a:t>saída</a:t>
-            </a:r>
+            <a:endParaRPr lang="pt-BR" sz="2000" b="1" dirty="0"/>
           </a:p>
           <a:p>
             <a:endParaRPr lang="pt-BR" sz="2000" b="1" dirty="0"/>
@@ -12133,7 +12234,7 @@
     </p:spTree>
     <p:extLst>
       <p:ext uri="{BB962C8B-B14F-4D97-AF65-F5344CB8AC3E}">
-        <p14:creationId xmlns:p14="http://schemas.microsoft.com/office/powerpoint/2010/main" val="3547654848"/>
+        <p14:creationId xmlns:p14="http://schemas.microsoft.com/office/powerpoint/2010/main" val="1537764962"/>
       </p:ext>
     </p:extLst>
   </p:cSld>
@@ -12293,14 +12394,14 @@
             </a:r>
           </a:p>
           <a:p>
-            <a:endParaRPr lang="pt-BR" sz="2000" b="1" u="sng" dirty="0"/>
+            <a:endParaRPr lang="pt-BR" sz="2000" b="1" dirty="0"/>
           </a:p>
         </p:txBody>
       </p:sp>
     </p:spTree>
     <p:extLst>
       <p:ext uri="{BB962C8B-B14F-4D97-AF65-F5344CB8AC3E}">
-        <p14:creationId xmlns:p14="http://schemas.microsoft.com/office/powerpoint/2010/main" val="458618330"/>
+        <p14:creationId xmlns:p14="http://schemas.microsoft.com/office/powerpoint/2010/main" val="3547654848"/>
       </p:ext>
     </p:extLst>
   </p:cSld>
